--- a/source/Security/images_SpringSecurity/materialSpringSecurity.pptx
+++ b/source/Security/images_SpringSecurity/materialSpringSecurity.pptx
@@ -209,7 +209,7 @@
             <a:fld id="{3BB47352-BF5A-4CD2-B029-996118CD8E01}" type="datetimeFigureOut">
               <a:rPr kumimoji="1" lang="ja-JP" altLang="en-US" smtClean="0"/>
               <a:pPr/>
-              <a:t>2015/10/9</a:t>
+              <a:t>2016/1/14</a:t>
             </a:fld>
             <a:endParaRPr kumimoji="1" lang="ja-JP" altLang="en-US"/>
           </a:p>
@@ -692,7 +692,7 @@
             <a:fld id="{7B9B12EC-6AA0-374B-A2D3-850081A07A26}" type="datetimeFigureOut">
               <a:rPr kumimoji="1" lang="ja-JP" altLang="en-US" smtClean="0"/>
               <a:pPr/>
-              <a:t>2015/10/9</a:t>
+              <a:t>2016/1/14</a:t>
             </a:fld>
             <a:endParaRPr kumimoji="1" lang="ja-JP" altLang="en-US"/>
           </a:p>
@@ -896,7 +896,7 @@
             <a:fld id="{7B9B12EC-6AA0-374B-A2D3-850081A07A26}" type="datetimeFigureOut">
               <a:rPr kumimoji="1" lang="ja-JP" altLang="en-US" smtClean="0"/>
               <a:pPr/>
-              <a:t>2015/10/9</a:t>
+              <a:t>2016/1/14</a:t>
             </a:fld>
             <a:endParaRPr kumimoji="1" lang="ja-JP" altLang="en-US"/>
           </a:p>
@@ -1110,7 +1110,7 @@
             <a:fld id="{7B9B12EC-6AA0-374B-A2D3-850081A07A26}" type="datetimeFigureOut">
               <a:rPr kumimoji="1" lang="ja-JP" altLang="en-US" smtClean="0"/>
               <a:pPr/>
-              <a:t>2015/10/9</a:t>
+              <a:t>2016/1/14</a:t>
             </a:fld>
             <a:endParaRPr kumimoji="1" lang="ja-JP" altLang="en-US"/>
           </a:p>
@@ -1314,7 +1314,7 @@
             <a:fld id="{7B9B12EC-6AA0-374B-A2D3-850081A07A26}" type="datetimeFigureOut">
               <a:rPr kumimoji="1" lang="ja-JP" altLang="en-US" smtClean="0"/>
               <a:pPr/>
-              <a:t>2015/10/9</a:t>
+              <a:t>2016/1/14</a:t>
             </a:fld>
             <a:endParaRPr kumimoji="1" lang="ja-JP" altLang="en-US"/>
           </a:p>
@@ -1562,7 +1562,7 @@
             <a:fld id="{7B9B12EC-6AA0-374B-A2D3-850081A07A26}" type="datetimeFigureOut">
               <a:rPr kumimoji="1" lang="ja-JP" altLang="en-US" smtClean="0"/>
               <a:pPr/>
-              <a:t>2015/10/9</a:t>
+              <a:t>2016/1/14</a:t>
             </a:fld>
             <a:endParaRPr kumimoji="1" lang="ja-JP" altLang="en-US"/>
           </a:p>
@@ -1916,7 +1916,7 @@
             <a:fld id="{7B9B12EC-6AA0-374B-A2D3-850081A07A26}" type="datetimeFigureOut">
               <a:rPr kumimoji="1" lang="ja-JP" altLang="en-US" smtClean="0"/>
               <a:pPr/>
-              <a:t>2015/10/9</a:t>
+              <a:t>2016/1/14</a:t>
             </a:fld>
             <a:endParaRPr kumimoji="1" lang="ja-JP" altLang="en-US"/>
           </a:p>
@@ -2404,7 +2404,7 @@
             <a:fld id="{7B9B12EC-6AA0-374B-A2D3-850081A07A26}" type="datetimeFigureOut">
               <a:rPr kumimoji="1" lang="ja-JP" altLang="en-US" smtClean="0"/>
               <a:pPr/>
-              <a:t>2015/10/9</a:t>
+              <a:t>2016/1/14</a:t>
             </a:fld>
             <a:endParaRPr kumimoji="1" lang="ja-JP" altLang="en-US"/>
           </a:p>
@@ -2524,7 +2524,7 @@
             <a:fld id="{7B9B12EC-6AA0-374B-A2D3-850081A07A26}" type="datetimeFigureOut">
               <a:rPr kumimoji="1" lang="ja-JP" altLang="en-US" smtClean="0"/>
               <a:pPr/>
-              <a:t>2015/10/9</a:t>
+              <a:t>2016/1/14</a:t>
             </a:fld>
             <a:endParaRPr kumimoji="1" lang="ja-JP" altLang="en-US"/>
           </a:p>
@@ -2621,7 +2621,7 @@
             <a:fld id="{7B9B12EC-6AA0-374B-A2D3-850081A07A26}" type="datetimeFigureOut">
               <a:rPr kumimoji="1" lang="ja-JP" altLang="en-US" smtClean="0"/>
               <a:pPr/>
-              <a:t>2015/10/9</a:t>
+              <a:t>2016/1/14</a:t>
             </a:fld>
             <a:endParaRPr kumimoji="1" lang="ja-JP" altLang="en-US"/>
           </a:p>
@@ -2932,7 +2932,7 @@
             <a:fld id="{7B9B12EC-6AA0-374B-A2D3-850081A07A26}" type="datetimeFigureOut">
               <a:rPr kumimoji="1" lang="ja-JP" altLang="en-US" smtClean="0"/>
               <a:pPr/>
-              <a:t>2015/10/9</a:t>
+              <a:t>2016/1/14</a:t>
             </a:fld>
             <a:endParaRPr kumimoji="1" lang="ja-JP" altLang="en-US"/>
           </a:p>
@@ -3187,7 +3187,7 @@
             <a:fld id="{7B9B12EC-6AA0-374B-A2D3-850081A07A26}" type="datetimeFigureOut">
               <a:rPr kumimoji="1" lang="ja-JP" altLang="en-US" smtClean="0"/>
               <a:pPr/>
-              <a:t>2015/10/9</a:t>
+              <a:t>2016/1/14</a:t>
             </a:fld>
             <a:endParaRPr kumimoji="1" lang="ja-JP" altLang="en-US"/>
           </a:p>
@@ -3434,7 +3434,7 @@
             <a:fld id="{7B9B12EC-6AA0-374B-A2D3-850081A07A26}" type="datetimeFigureOut">
               <a:rPr kumimoji="1" lang="ja-JP" altLang="en-US" smtClean="0"/>
               <a:pPr/>
-              <a:t>2015/10/9</a:t>
+              <a:t>2016/1/14</a:t>
             </a:fld>
             <a:endParaRPr kumimoji="1" lang="ja-JP" altLang="en-US"/>
           </a:p>
@@ -4468,8 +4468,9 @@
           </a:bodyPr>
           <a:lstStyle/>
           <a:p>
-            <a:r>
-              <a:rPr kumimoji="1" lang="ja-JP" altLang="en-US" sz="1600" b="1" dirty="0" smtClean="0">
+            <a:pPr algn="ctr"/>
+            <a:r>
+              <a:rPr kumimoji="1" lang="en-US" altLang="ja-JP" sz="1600" b="1" dirty="0" smtClean="0">
                 <a:solidFill>
                   <a:schemeClr val="tx1">
                     <a:lumMod val="75000"/>
@@ -4479,7 +4480,7 @@
                 <a:latin typeface="HGP創英角ｺﾞｼｯｸUB" panose="020B0900000000000000" pitchFamily="50" charset="-128"/>
                 <a:ea typeface="HGP創英角ｺﾞｼｯｸUB" panose="020B0900000000000000" pitchFamily="50" charset="-128"/>
               </a:rPr>
-              <a:t>クライアント</a:t>
+              <a:t>Client</a:t>
             </a:r>
             <a:endParaRPr kumimoji="1" lang="ja-JP" altLang="en-US" sz="1600" b="1" dirty="0">
               <a:solidFill>
@@ -4549,10 +4550,10 @@
                   </a:schemeClr>
                 </a:solidFill>
               </a:rPr>
-              <a:t>Web</a:t>
-            </a:r>
-            <a:r>
-              <a:rPr lang="ja-JP" altLang="en-US" sz="2000" dirty="0" smtClean="0">
+              <a:t>Web </a:t>
+            </a:r>
+            <a:r>
+              <a:rPr lang="en-US" altLang="ja-JP" sz="2000" smtClean="0">
                 <a:solidFill>
                   <a:schemeClr val="tx1">
                     <a:lumMod val="50000"/>
@@ -4560,7 +4561,7 @@
                   </a:schemeClr>
                 </a:solidFill>
               </a:rPr>
-              <a:t>アプリケーションのリソース</a:t>
+              <a:t>Application Resources</a:t>
             </a:r>
             <a:endParaRPr kumimoji="1" lang="en-US" altLang="ja-JP" sz="2000" dirty="0" smtClean="0">
               <a:solidFill>
@@ -5071,7 +5072,7 @@
           <a:p>
             <a:pPr algn="ctr"/>
             <a:r>
-              <a:rPr kumimoji="1" lang="ja-JP" altLang="en-US" dirty="0" smtClean="0">
+              <a:rPr kumimoji="1" lang="en-US" altLang="ja-JP" dirty="0" smtClean="0">
                 <a:solidFill>
                   <a:schemeClr val="tx1">
                     <a:lumMod val="75000"/>
@@ -5081,7 +5082,7 @@
                 <a:latin typeface="HGP創英角ｺﾞｼｯｸUB" panose="020B0900000000000000" pitchFamily="50" charset="-128"/>
                 <a:ea typeface="HGP創英角ｺﾞｼｯｸUB" panose="020B0900000000000000" pitchFamily="50" charset="-128"/>
               </a:rPr>
-              <a:t>サーブレットフィルタ</a:t>
+              <a:t>Servlet Filter</a:t>
             </a:r>
             <a:endParaRPr kumimoji="1" lang="ja-JP" altLang="en-US" dirty="0">
               <a:solidFill>

--- a/source/Security/images_SpringSecurity/materialSpringSecurity.pptx
+++ b/source/Security/images_SpringSecurity/materialSpringSecurity.pptx
@@ -8,7 +8,7 @@
     <p:notesMasterId r:id="rId3"/>
   </p:notesMasterIdLst>
   <p:sldIdLst>
-    <p:sldId id="269" r:id="rId2"/>
+    <p:sldId id="256" r:id="rId2"/>
   </p:sldIdLst>
   <p:sldSz cx="9144000" cy="6858000" type="screen4x3"/>
   <p:notesSz cx="6858000" cy="9144000"/>
@@ -107,6 +107,22 @@
       </a:defRPr>
     </a:lvl9pPr>
   </p:defaultTextStyle>
+  <p:extLst>
+    <p:ext uri="{EFAFB233-063F-42B5-8137-9DF3F51BA10A}">
+      <p15:sldGuideLst xmlns:p15="http://schemas.microsoft.com/office/powerpoint/2012/main">
+        <p15:guide id="1" orient="horz" pos="2160">
+          <p15:clr>
+            <a:srgbClr val="A4A3A4"/>
+          </p15:clr>
+        </p15:guide>
+        <p15:guide id="2" pos="2880">
+          <p15:clr>
+            <a:srgbClr val="A4A3A4"/>
+          </p15:clr>
+        </p15:guide>
+      </p15:sldGuideLst>
+    </p:ext>
+  </p:extLst>
 </p:presentation>
 </file>
 
@@ -193,7 +209,7 @@
             <a:fld id="{3BB47352-BF5A-4CD2-B029-996118CD8E01}" type="datetimeFigureOut">
               <a:rPr kumimoji="1" lang="ja-JP" altLang="en-US" smtClean="0"/>
               <a:pPr/>
-              <a:t>2014/10/16</a:t>
+              <a:t>2016/1/14</a:t>
             </a:fld>
             <a:endParaRPr kumimoji="1" lang="ja-JP" altLang="en-US"/>
           </a:p>
@@ -676,7 +692,7 @@
             <a:fld id="{7B9B12EC-6AA0-374B-A2D3-850081A07A26}" type="datetimeFigureOut">
               <a:rPr kumimoji="1" lang="ja-JP" altLang="en-US" smtClean="0"/>
               <a:pPr/>
-              <a:t>2014/10/16</a:t>
+              <a:t>2016/1/14</a:t>
             </a:fld>
             <a:endParaRPr kumimoji="1" lang="ja-JP" altLang="en-US"/>
           </a:p>
@@ -880,7 +896,7 @@
             <a:fld id="{7B9B12EC-6AA0-374B-A2D3-850081A07A26}" type="datetimeFigureOut">
               <a:rPr kumimoji="1" lang="ja-JP" altLang="en-US" smtClean="0"/>
               <a:pPr/>
-              <a:t>2014/10/16</a:t>
+              <a:t>2016/1/14</a:t>
             </a:fld>
             <a:endParaRPr kumimoji="1" lang="ja-JP" altLang="en-US"/>
           </a:p>
@@ -1094,7 +1110,7 @@
             <a:fld id="{7B9B12EC-6AA0-374B-A2D3-850081A07A26}" type="datetimeFigureOut">
               <a:rPr kumimoji="1" lang="ja-JP" altLang="en-US" smtClean="0"/>
               <a:pPr/>
-              <a:t>2014/10/16</a:t>
+              <a:t>2016/1/14</a:t>
             </a:fld>
             <a:endParaRPr kumimoji="1" lang="ja-JP" altLang="en-US"/>
           </a:p>
@@ -1298,7 +1314,7 @@
             <a:fld id="{7B9B12EC-6AA0-374B-A2D3-850081A07A26}" type="datetimeFigureOut">
               <a:rPr kumimoji="1" lang="ja-JP" altLang="en-US" smtClean="0"/>
               <a:pPr/>
-              <a:t>2014/10/16</a:t>
+              <a:t>2016/1/14</a:t>
             </a:fld>
             <a:endParaRPr kumimoji="1" lang="ja-JP" altLang="en-US"/>
           </a:p>
@@ -1546,7 +1562,7 @@
             <a:fld id="{7B9B12EC-6AA0-374B-A2D3-850081A07A26}" type="datetimeFigureOut">
               <a:rPr kumimoji="1" lang="ja-JP" altLang="en-US" smtClean="0"/>
               <a:pPr/>
-              <a:t>2014/10/16</a:t>
+              <a:t>2016/1/14</a:t>
             </a:fld>
             <a:endParaRPr kumimoji="1" lang="ja-JP" altLang="en-US"/>
           </a:p>
@@ -1900,7 +1916,7 @@
             <a:fld id="{7B9B12EC-6AA0-374B-A2D3-850081A07A26}" type="datetimeFigureOut">
               <a:rPr kumimoji="1" lang="ja-JP" altLang="en-US" smtClean="0"/>
               <a:pPr/>
-              <a:t>2014/10/16</a:t>
+              <a:t>2016/1/14</a:t>
             </a:fld>
             <a:endParaRPr kumimoji="1" lang="ja-JP" altLang="en-US"/>
           </a:p>
@@ -2388,7 +2404,7 @@
             <a:fld id="{7B9B12EC-6AA0-374B-A2D3-850081A07A26}" type="datetimeFigureOut">
               <a:rPr kumimoji="1" lang="ja-JP" altLang="en-US" smtClean="0"/>
               <a:pPr/>
-              <a:t>2014/10/16</a:t>
+              <a:t>2016/1/14</a:t>
             </a:fld>
             <a:endParaRPr kumimoji="1" lang="ja-JP" altLang="en-US"/>
           </a:p>
@@ -2508,7 +2524,7 @@
             <a:fld id="{7B9B12EC-6AA0-374B-A2D3-850081A07A26}" type="datetimeFigureOut">
               <a:rPr kumimoji="1" lang="ja-JP" altLang="en-US" smtClean="0"/>
               <a:pPr/>
-              <a:t>2014/10/16</a:t>
+              <a:t>2016/1/14</a:t>
             </a:fld>
             <a:endParaRPr kumimoji="1" lang="ja-JP" altLang="en-US"/>
           </a:p>
@@ -2605,7 +2621,7 @@
             <a:fld id="{7B9B12EC-6AA0-374B-A2D3-850081A07A26}" type="datetimeFigureOut">
               <a:rPr kumimoji="1" lang="ja-JP" altLang="en-US" smtClean="0"/>
               <a:pPr/>
-              <a:t>2014/10/16</a:t>
+              <a:t>2016/1/14</a:t>
             </a:fld>
             <a:endParaRPr kumimoji="1" lang="ja-JP" altLang="en-US"/>
           </a:p>
@@ -2916,7 +2932,7 @@
             <a:fld id="{7B9B12EC-6AA0-374B-A2D3-850081A07A26}" type="datetimeFigureOut">
               <a:rPr kumimoji="1" lang="ja-JP" altLang="en-US" smtClean="0"/>
               <a:pPr/>
-              <a:t>2014/10/16</a:t>
+              <a:t>2016/1/14</a:t>
             </a:fld>
             <a:endParaRPr kumimoji="1" lang="ja-JP" altLang="en-US"/>
           </a:p>
@@ -3171,7 +3187,7 @@
             <a:fld id="{7B9B12EC-6AA0-374B-A2D3-850081A07A26}" type="datetimeFigureOut">
               <a:rPr kumimoji="1" lang="ja-JP" altLang="en-US" smtClean="0"/>
               <a:pPr/>
-              <a:t>2014/10/16</a:t>
+              <a:t>2016/1/14</a:t>
             </a:fld>
             <a:endParaRPr kumimoji="1" lang="ja-JP" altLang="en-US"/>
           </a:p>
@@ -3418,7 +3434,7 @@
             <a:fld id="{7B9B12EC-6AA0-374B-A2D3-850081A07A26}" type="datetimeFigureOut">
               <a:rPr kumimoji="1" lang="ja-JP" altLang="en-US" smtClean="0"/>
               <a:pPr/>
-              <a:t>2014/10/16</a:t>
+              <a:t>2016/1/14</a:t>
             </a:fld>
             <a:endParaRPr kumimoji="1" lang="ja-JP" altLang="en-US"/>
           </a:p>
@@ -3794,1342 +3810,2158 @@
           <a:chExt cx="0" cy="0"/>
         </a:xfrm>
       </p:grpSpPr>
-      <p:grpSp>
-        <p:nvGrpSpPr>
-          <p:cNvPr id="34" name="グループ化 33"/>
-          <p:cNvGrpSpPr/>
+      <p:sp>
+        <p:nvSpPr>
+          <p:cNvPr id="39" name="正方形/長方形 38"/>
+          <p:cNvSpPr/>
           <p:nvPr/>
-        </p:nvGrpSpPr>
-        <p:grpSpPr>
+        </p:nvSpPr>
+        <p:spPr>
           <a:xfrm>
-            <a:off x="241300" y="232475"/>
-            <a:ext cx="8623730" cy="6472218"/>
-            <a:chOff x="241300" y="232475"/>
-            <a:chExt cx="8623730" cy="6472218"/>
+            <a:off x="2201558" y="750169"/>
+            <a:ext cx="5565072" cy="3888432"/>
           </a:xfrm>
-        </p:grpSpPr>
-        <p:sp>
-          <p:nvSpPr>
-            <p:cNvPr id="4" name="正方形/長方形 3"/>
-            <p:cNvSpPr/>
-            <p:nvPr/>
-          </p:nvSpPr>
-          <p:spPr>
-            <a:xfrm>
-              <a:off x="1612899" y="232475"/>
-              <a:ext cx="7252131" cy="5789139"/>
-            </a:xfrm>
-            <a:prstGeom prst="rect">
+          <a:prstGeom prst="rect">
+            <a:avLst/>
+          </a:prstGeom>
+          <a:solidFill>
+            <a:schemeClr val="bg1"/>
+          </a:solidFill>
+          <a:ln w="60325">
+            <a:solidFill>
+              <a:schemeClr val="bg1">
+                <a:lumMod val="65000"/>
+              </a:schemeClr>
+            </a:solidFill>
+            <a:miter lim="800000"/>
+          </a:ln>
+          <a:effectLst/>
+        </p:spPr>
+        <p:style>
+          <a:lnRef idx="1">
+            <a:schemeClr val="accent1"/>
+          </a:lnRef>
+          <a:fillRef idx="3">
+            <a:schemeClr val="accent1"/>
+          </a:fillRef>
+          <a:effectRef idx="2">
+            <a:schemeClr val="accent1"/>
+          </a:effectRef>
+          <a:fontRef idx="minor">
+            <a:schemeClr val="lt1"/>
+          </a:fontRef>
+        </p:style>
+        <p:txBody>
+          <a:bodyPr rtlCol="0" anchor="t" anchorCtr="0"/>
+          <a:lstStyle/>
+          <a:p>
+            <a:pPr algn="ctr"/>
+            <a:r>
+              <a:rPr kumimoji="1" lang="en-US" altLang="ja-JP" sz="2000" dirty="0" smtClean="0">
+                <a:solidFill>
+                  <a:schemeClr val="tx1">
+                    <a:lumMod val="50000"/>
+                    <a:lumOff val="50000"/>
+                  </a:schemeClr>
+                </a:solidFill>
+              </a:rPr>
+              <a:t>spring-security-web</a:t>
+            </a:r>
+          </a:p>
+        </p:txBody>
+      </p:sp>
+      <p:sp>
+        <p:nvSpPr>
+          <p:cNvPr id="40" name="正方形/長方形 39"/>
+          <p:cNvSpPr/>
+          <p:nvPr/>
+        </p:nvSpPr>
+        <p:spPr>
+          <a:xfrm>
+            <a:off x="2798078" y="3059137"/>
+            <a:ext cx="1294698" cy="974823"/>
+          </a:xfrm>
+          <a:prstGeom prst="rect">
+            <a:avLst/>
+          </a:prstGeom>
+          <a:solidFill>
+            <a:schemeClr val="accent6">
+              <a:lumMod val="60000"/>
+              <a:lumOff val="40000"/>
+            </a:schemeClr>
+          </a:solidFill>
+          <a:ln>
+            <a:noFill/>
+          </a:ln>
+        </p:spPr>
+        <p:style>
+          <a:lnRef idx="2">
+            <a:schemeClr val="accent1">
+              <a:shade val="50000"/>
+            </a:schemeClr>
+          </a:lnRef>
+          <a:fillRef idx="1">
+            <a:schemeClr val="accent1"/>
+          </a:fillRef>
+          <a:effectRef idx="0">
+            <a:schemeClr val="accent1"/>
+          </a:effectRef>
+          <a:fontRef idx="minor">
+            <a:schemeClr val="lt1"/>
+          </a:fontRef>
+        </p:style>
+        <p:txBody>
+          <a:bodyPr rtlCol="0" anchor="ctr"/>
+          <a:lstStyle/>
+          <a:p>
+            <a:pPr algn="ctr"/>
+            <a:r>
+              <a:rPr lang="en-US" altLang="ja-JP" dirty="0" err="1">
+                <a:solidFill>
+                  <a:schemeClr val="tx1">
+                    <a:lumMod val="75000"/>
+                    <a:lumOff val="25000"/>
+                  </a:schemeClr>
+                </a:solidFill>
+                <a:latin typeface="HGP創英角ｺﾞｼｯｸUB" panose="020B0900000000000000" pitchFamily="50" charset="-128"/>
+                <a:ea typeface="HGP創英角ｺﾞｼｯｸUB" panose="020B0900000000000000" pitchFamily="50" charset="-128"/>
+              </a:rPr>
+              <a:t>FilterChain</a:t>
+            </a:r>
+            <a:endParaRPr lang="en-US" altLang="ja-JP" dirty="0">
+              <a:solidFill>
+                <a:schemeClr val="tx1">
+                  <a:lumMod val="75000"/>
+                  <a:lumOff val="25000"/>
+                </a:schemeClr>
+              </a:solidFill>
+              <a:latin typeface="HGP創英角ｺﾞｼｯｸUB" panose="020B0900000000000000" pitchFamily="50" charset="-128"/>
+              <a:ea typeface="HGP創英角ｺﾞｼｯｸUB" panose="020B0900000000000000" pitchFamily="50" charset="-128"/>
+            </a:endParaRPr>
+          </a:p>
+          <a:p>
+            <a:pPr algn="ctr"/>
+            <a:r>
+              <a:rPr lang="en-US" altLang="ja-JP" dirty="0">
+                <a:solidFill>
+                  <a:schemeClr val="tx1">
+                    <a:lumMod val="75000"/>
+                    <a:lumOff val="25000"/>
+                  </a:schemeClr>
+                </a:solidFill>
+                <a:latin typeface="HGP創英角ｺﾞｼｯｸUB" panose="020B0900000000000000" pitchFamily="50" charset="-128"/>
+                <a:ea typeface="HGP創英角ｺﾞｼｯｸUB" panose="020B0900000000000000" pitchFamily="50" charset="-128"/>
+              </a:rPr>
+              <a:t>Proxy</a:t>
+            </a:r>
+          </a:p>
+        </p:txBody>
+      </p:sp>
+      <p:sp>
+        <p:nvSpPr>
+          <p:cNvPr id="55" name="正方形/長方形 54"/>
+          <p:cNvSpPr/>
+          <p:nvPr/>
+        </p:nvSpPr>
+        <p:spPr>
+          <a:xfrm>
+            <a:off x="2939648" y="1519089"/>
+            <a:ext cx="1022645" cy="915840"/>
+          </a:xfrm>
+          <a:prstGeom prst="rect">
+            <a:avLst/>
+          </a:prstGeom>
+          <a:solidFill>
+            <a:schemeClr val="accent6">
+              <a:lumMod val="60000"/>
+              <a:lumOff val="40000"/>
+            </a:schemeClr>
+          </a:solidFill>
+          <a:ln>
+            <a:noFill/>
+          </a:ln>
+        </p:spPr>
+        <p:style>
+          <a:lnRef idx="2">
+            <a:schemeClr val="accent1">
+              <a:shade val="50000"/>
+            </a:schemeClr>
+          </a:lnRef>
+          <a:fillRef idx="1">
+            <a:schemeClr val="accent1"/>
+          </a:fillRef>
+          <a:effectRef idx="0">
+            <a:schemeClr val="accent1"/>
+          </a:effectRef>
+          <a:fontRef idx="minor">
+            <a:schemeClr val="lt1"/>
+          </a:fontRef>
+        </p:style>
+        <p:txBody>
+          <a:bodyPr rtlCol="0" anchor="ctr"/>
+          <a:lstStyle/>
+          <a:p>
+            <a:pPr algn="ctr"/>
+            <a:r>
+              <a:rPr lang="en-US" altLang="ja-JP" sz="1100" dirty="0" smtClean="0">
+                <a:solidFill>
+                  <a:schemeClr val="tx1">
+                    <a:lumMod val="75000"/>
+                    <a:lumOff val="25000"/>
+                  </a:schemeClr>
+                </a:solidFill>
+                <a:latin typeface="HGP創英角ｺﾞｼｯｸUB" panose="020B0900000000000000" pitchFamily="50" charset="-128"/>
+                <a:ea typeface="HGP創英角ｺﾞｼｯｸUB" panose="020B0900000000000000" pitchFamily="50" charset="-128"/>
+              </a:rPr>
+              <a:t>&lt;interface&gt;</a:t>
+            </a:r>
+          </a:p>
+          <a:p>
+            <a:pPr algn="ctr"/>
+            <a:r>
+              <a:rPr lang="en-US" altLang="ja-JP" dirty="0" smtClean="0">
+                <a:solidFill>
+                  <a:schemeClr val="tx1">
+                    <a:lumMod val="75000"/>
+                    <a:lumOff val="25000"/>
+                  </a:schemeClr>
+                </a:solidFill>
+                <a:latin typeface="HGP創英角ｺﾞｼｯｸUB" panose="020B0900000000000000" pitchFamily="50" charset="-128"/>
+                <a:ea typeface="HGP創英角ｺﾞｼｯｸUB" panose="020B0900000000000000" pitchFamily="50" charset="-128"/>
+              </a:rPr>
+              <a:t>Http</a:t>
+            </a:r>
+            <a:endParaRPr lang="en-US" altLang="ja-JP" dirty="0">
+              <a:solidFill>
+                <a:schemeClr val="tx1">
+                  <a:lumMod val="75000"/>
+                  <a:lumOff val="25000"/>
+                </a:schemeClr>
+              </a:solidFill>
+              <a:latin typeface="HGP創英角ｺﾞｼｯｸUB" panose="020B0900000000000000" pitchFamily="50" charset="-128"/>
+              <a:ea typeface="HGP創英角ｺﾞｼｯｸUB" panose="020B0900000000000000" pitchFamily="50" charset="-128"/>
+            </a:endParaRPr>
+          </a:p>
+          <a:p>
+            <a:pPr algn="ctr"/>
+            <a:r>
+              <a:rPr lang="en-US" altLang="ja-JP" dirty="0">
+                <a:solidFill>
+                  <a:schemeClr val="tx1">
+                    <a:lumMod val="75000"/>
+                    <a:lumOff val="25000"/>
+                  </a:schemeClr>
+                </a:solidFill>
+                <a:latin typeface="HGP創英角ｺﾞｼｯｸUB" panose="020B0900000000000000" pitchFamily="50" charset="-128"/>
+                <a:ea typeface="HGP創英角ｺﾞｼｯｸUB" panose="020B0900000000000000" pitchFamily="50" charset="-128"/>
+              </a:rPr>
+              <a:t>Firewall</a:t>
+            </a:r>
+          </a:p>
+        </p:txBody>
+      </p:sp>
+      <p:cxnSp>
+        <p:nvCxnSpPr>
+          <p:cNvPr id="57" name="直線矢印コネクタ 56"/>
+          <p:cNvCxnSpPr>
+            <a:stCxn id="40" idx="0"/>
+            <a:endCxn id="55" idx="2"/>
+          </p:cNvCxnSpPr>
+          <p:nvPr/>
+        </p:nvCxnSpPr>
+        <p:spPr bwMode="invGray">
+          <a:xfrm flipV="1">
+            <a:off x="3445427" y="2434929"/>
+            <a:ext cx="5544" cy="624208"/>
+          </a:xfrm>
+          <a:prstGeom prst="straightConnector1">
+            <a:avLst/>
+          </a:prstGeom>
+          <a:ln w="50800">
+            <a:solidFill>
+              <a:schemeClr val="tx2">
+                <a:lumMod val="40000"/>
+                <a:lumOff val="60000"/>
+              </a:schemeClr>
+            </a:solidFill>
+            <a:tailEnd type="triangle" w="lg" len="lg"/>
+          </a:ln>
+        </p:spPr>
+        <p:style>
+          <a:lnRef idx="1">
+            <a:schemeClr val="accent1"/>
+          </a:lnRef>
+          <a:fillRef idx="0">
+            <a:schemeClr val="accent1"/>
+          </a:fillRef>
+          <a:effectRef idx="0">
+            <a:schemeClr val="accent1"/>
+          </a:effectRef>
+          <a:fontRef idx="minor">
+            <a:schemeClr val="tx1"/>
+          </a:fontRef>
+        </p:style>
+      </p:cxnSp>
+      <p:sp>
+        <p:nvSpPr>
+          <p:cNvPr id="64" name="テキスト ボックス 63"/>
+          <p:cNvSpPr txBox="1"/>
+          <p:nvPr/>
+        </p:nvSpPr>
+        <p:spPr>
+          <a:xfrm>
+            <a:off x="3962293" y="2583310"/>
+            <a:ext cx="723275" cy="461665"/>
+          </a:xfrm>
+          <a:prstGeom prst="rect">
+            <a:avLst/>
+          </a:prstGeom>
+          <a:noFill/>
+        </p:spPr>
+        <p:txBody>
+          <a:bodyPr wrap="none" rtlCol="0">
+            <a:spAutoFit/>
+          </a:bodyPr>
+          <a:lstStyle/>
+          <a:p>
+            <a:r>
+              <a:rPr kumimoji="1" lang="ja-JP" altLang="en-US" sz="2400" dirty="0" smtClean="0">
+                <a:solidFill>
+                  <a:schemeClr val="tx1">
+                    <a:lumMod val="65000"/>
+                    <a:lumOff val="35000"/>
+                  </a:schemeClr>
+                </a:solidFill>
+                <a:latin typeface="HGP創英角ｺﾞｼｯｸUB" panose="020B0900000000000000" pitchFamily="50" charset="-128"/>
+                <a:ea typeface="HGP創英角ｺﾞｼｯｸUB" panose="020B0900000000000000" pitchFamily="50" charset="-128"/>
+              </a:rPr>
+              <a:t>（３）</a:t>
+            </a:r>
+            <a:endParaRPr kumimoji="1" lang="ja-JP" altLang="en-US" sz="2400" dirty="0">
+              <a:solidFill>
+                <a:schemeClr val="tx1">
+                  <a:lumMod val="65000"/>
+                  <a:lumOff val="35000"/>
+                </a:schemeClr>
+              </a:solidFill>
+              <a:latin typeface="HGP創英角ｺﾞｼｯｸUB" panose="020B0900000000000000" pitchFamily="50" charset="-128"/>
+              <a:ea typeface="HGP創英角ｺﾞｼｯｸUB" panose="020B0900000000000000" pitchFamily="50" charset="-128"/>
+            </a:endParaRPr>
+          </a:p>
+        </p:txBody>
+      </p:sp>
+      <p:sp>
+        <p:nvSpPr>
+          <p:cNvPr id="67" name="laptop"/>
+          <p:cNvSpPr>
+            <a:spLocks noEditPoints="1" noChangeArrowheads="1"/>
+          </p:cNvSpPr>
+          <p:nvPr/>
+        </p:nvSpPr>
+        <p:spPr bwMode="auto">
+          <a:xfrm>
+            <a:off x="933116" y="3227580"/>
+            <a:ext cx="1071417" cy="806382"/>
+          </a:xfrm>
+          <a:custGeom>
+            <a:avLst/>
+            <a:gdLst>
+              <a:gd name="T0" fmla="*/ 3362 w 21600"/>
+              <a:gd name="T1" fmla="*/ 0 h 21600"/>
+              <a:gd name="T2" fmla="*/ 3362 w 21600"/>
+              <a:gd name="T3" fmla="*/ 7173 h 21600"/>
+              <a:gd name="T4" fmla="*/ 18327 w 21600"/>
+              <a:gd name="T5" fmla="*/ 0 h 21600"/>
+              <a:gd name="T6" fmla="*/ 18327 w 21600"/>
+              <a:gd name="T7" fmla="*/ 7173 h 21600"/>
+              <a:gd name="T8" fmla="*/ 10800 w 21600"/>
+              <a:gd name="T9" fmla="*/ 0 h 21600"/>
+              <a:gd name="T10" fmla="*/ 10800 w 21600"/>
+              <a:gd name="T11" fmla="*/ 21600 h 21600"/>
+              <a:gd name="T12" fmla="*/ 0 w 21600"/>
+              <a:gd name="T13" fmla="*/ 21600 h 21600"/>
+              <a:gd name="T14" fmla="*/ 21600 w 21600"/>
+              <a:gd name="T15" fmla="*/ 21600 h 21600"/>
+              <a:gd name="T16" fmla="*/ 4445 w 21600"/>
+              <a:gd name="T17" fmla="*/ 1858 h 21600"/>
+              <a:gd name="T18" fmla="*/ 17311 w 21600"/>
+              <a:gd name="T19" fmla="*/ 12323 h 21600"/>
+            </a:gdLst>
+            <a:ahLst/>
+            <a:cxnLst>
+              <a:cxn ang="0">
+                <a:pos x="T0" y="T1"/>
+              </a:cxn>
+              <a:cxn ang="0">
+                <a:pos x="T2" y="T3"/>
+              </a:cxn>
+              <a:cxn ang="0">
+                <a:pos x="T4" y="T5"/>
+              </a:cxn>
+              <a:cxn ang="0">
+                <a:pos x="T6" y="T7"/>
+              </a:cxn>
+              <a:cxn ang="0">
+                <a:pos x="T8" y="T9"/>
+              </a:cxn>
+              <a:cxn ang="0">
+                <a:pos x="T10" y="T11"/>
+              </a:cxn>
+              <a:cxn ang="0">
+                <a:pos x="T12" y="T13"/>
+              </a:cxn>
+              <a:cxn ang="0">
+                <a:pos x="T14" y="T15"/>
+              </a:cxn>
+            </a:cxnLst>
+            <a:rect l="T16" t="T17" r="T18" b="T19"/>
+            <a:pathLst>
+              <a:path w="21600" h="21600" extrusionOk="0">
+                <a:moveTo>
+                  <a:pt x="3362" y="0"/>
+                </a:moveTo>
+                <a:lnTo>
+                  <a:pt x="18327" y="0"/>
+                </a:lnTo>
+                <a:lnTo>
+                  <a:pt x="18327" y="14347"/>
+                </a:lnTo>
+                <a:lnTo>
+                  <a:pt x="3362" y="14347"/>
+                </a:lnTo>
+                <a:lnTo>
+                  <a:pt x="3362" y="0"/>
+                </a:lnTo>
+                <a:close/>
+              </a:path>
+              <a:path w="21600" h="21600" extrusionOk="0">
+                <a:moveTo>
+                  <a:pt x="3340" y="15068"/>
+                </a:moveTo>
+                <a:lnTo>
+                  <a:pt x="0" y="19877"/>
+                </a:lnTo>
+                <a:lnTo>
+                  <a:pt x="21600" y="19877"/>
+                </a:lnTo>
+                <a:lnTo>
+                  <a:pt x="18327" y="15068"/>
+                </a:lnTo>
+                <a:lnTo>
+                  <a:pt x="3340" y="15068"/>
+                </a:lnTo>
+                <a:close/>
+              </a:path>
+              <a:path w="21600" h="21600" extrusionOk="0">
+                <a:moveTo>
+                  <a:pt x="0" y="19877"/>
+                </a:moveTo>
+                <a:lnTo>
+                  <a:pt x="0" y="21600"/>
+                </a:lnTo>
+                <a:lnTo>
+                  <a:pt x="21600" y="21600"/>
+                </a:lnTo>
+                <a:lnTo>
+                  <a:pt x="21600" y="19877"/>
+                </a:lnTo>
+                <a:lnTo>
+                  <a:pt x="0" y="19877"/>
+                </a:lnTo>
+                <a:close/>
+              </a:path>
+              <a:path w="21600" h="21600" extrusionOk="0">
+                <a:moveTo>
+                  <a:pt x="4186" y="1523"/>
+                </a:moveTo>
+                <a:lnTo>
+                  <a:pt x="17547" y="1523"/>
+                </a:lnTo>
+                <a:lnTo>
+                  <a:pt x="17547" y="12744"/>
+                </a:lnTo>
+                <a:lnTo>
+                  <a:pt x="4186" y="12744"/>
+                </a:lnTo>
+                <a:lnTo>
+                  <a:pt x="4186" y="1523"/>
+                </a:lnTo>
+                <a:close/>
+              </a:path>
+              <a:path w="21600" h="21600" extrusionOk="0">
+                <a:moveTo>
+                  <a:pt x="3318" y="15549"/>
+                </a:moveTo>
+                <a:lnTo>
+                  <a:pt x="2917" y="16110"/>
+                </a:lnTo>
+                <a:lnTo>
+                  <a:pt x="18727" y="16110"/>
+                </a:lnTo>
+                <a:lnTo>
+                  <a:pt x="18327" y="15549"/>
+                </a:lnTo>
+                <a:lnTo>
+                  <a:pt x="3318" y="15549"/>
+                </a:lnTo>
+                <a:close/>
+              </a:path>
+              <a:path w="21600" h="21600" extrusionOk="0">
+                <a:moveTo>
+                  <a:pt x="6213" y="18314"/>
+                </a:moveTo>
+                <a:lnTo>
+                  <a:pt x="5946" y="18875"/>
+                </a:lnTo>
+                <a:lnTo>
+                  <a:pt x="15766" y="18875"/>
+                </a:lnTo>
+                <a:lnTo>
+                  <a:pt x="15499" y="18314"/>
+                </a:lnTo>
+                <a:lnTo>
+                  <a:pt x="6213" y="18314"/>
+                </a:lnTo>
+                <a:close/>
+              </a:path>
+              <a:path w="21600" h="21600" extrusionOk="0">
+                <a:moveTo>
+                  <a:pt x="2828" y="16471"/>
+                </a:moveTo>
+                <a:lnTo>
+                  <a:pt x="2405" y="17072"/>
+                </a:lnTo>
+                <a:lnTo>
+                  <a:pt x="19284" y="17072"/>
+                </a:lnTo>
+                <a:lnTo>
+                  <a:pt x="18839" y="16471"/>
+                </a:lnTo>
+                <a:lnTo>
+                  <a:pt x="2828" y="16471"/>
+                </a:lnTo>
+                <a:close/>
+              </a:path>
+              <a:path w="21600" h="21600" extrusionOk="0">
+                <a:moveTo>
+                  <a:pt x="2316" y="17352"/>
+                </a:moveTo>
+                <a:lnTo>
+                  <a:pt x="1871" y="17953"/>
+                </a:lnTo>
+                <a:lnTo>
+                  <a:pt x="19863" y="17953"/>
+                </a:lnTo>
+                <a:lnTo>
+                  <a:pt x="19395" y="17352"/>
+                </a:lnTo>
+                <a:lnTo>
+                  <a:pt x="2316" y="17352"/>
+                </a:lnTo>
+                <a:close/>
+              </a:path>
+            </a:pathLst>
+          </a:custGeom>
+          <a:solidFill>
+            <a:schemeClr val="bg1">
+              <a:lumMod val="95000"/>
+            </a:schemeClr>
+          </a:solidFill>
+          <a:ln w="0">
+            <a:headEnd/>
+            <a:tailEnd/>
+          </a:ln>
+        </p:spPr>
+        <p:style>
+          <a:lnRef idx="2">
+            <a:schemeClr val="dk1"/>
+          </a:lnRef>
+          <a:fillRef idx="1">
+            <a:schemeClr val="lt1"/>
+          </a:fillRef>
+          <a:effectRef idx="0">
+            <a:schemeClr val="dk1"/>
+          </a:effectRef>
+          <a:fontRef idx="minor">
+            <a:schemeClr val="dk1"/>
+          </a:fontRef>
+        </p:style>
+        <p:txBody>
+          <a:bodyPr vert="horz" wrap="square" lIns="91440" tIns="45720" rIns="91440" bIns="45720" numCol="1" anchor="t" anchorCtr="0" compatLnSpc="1">
+            <a:prstTxWarp prst="textNoShape">
               <a:avLst/>
-            </a:prstGeom>
-            <a:ln/>
-          </p:spPr>
-          <p:style>
-            <a:lnRef idx="0">
-              <a:schemeClr val="accent3"/>
-            </a:lnRef>
-            <a:fillRef idx="3">
-              <a:schemeClr val="accent3"/>
-            </a:fillRef>
-            <a:effectRef idx="3">
-              <a:schemeClr val="accent3"/>
-            </a:effectRef>
-            <a:fontRef idx="minor">
-              <a:schemeClr val="lt1"/>
-            </a:fontRef>
-          </p:style>
-          <p:txBody>
-            <a:bodyPr rtlCol="0" anchor="ctr"/>
-            <a:lstStyle/>
-            <a:p>
-              <a:endParaRPr kumimoji="1" lang="ja-JP" altLang="en-US" dirty="0"/>
-            </a:p>
-          </p:txBody>
-        </p:sp>
-        <p:sp>
-          <p:nvSpPr>
-            <p:cNvPr id="5" name="テキスト ボックス 4"/>
-            <p:cNvSpPr txBox="1"/>
-            <p:nvPr/>
-          </p:nvSpPr>
-          <p:spPr>
-            <a:xfrm>
-              <a:off x="1612899" y="232475"/>
-              <a:ext cx="3719594" cy="338554"/>
-            </a:xfrm>
-            <a:prstGeom prst="rect">
-              <a:avLst/>
-            </a:prstGeom>
+            </a:prstTxWarp>
+          </a:bodyPr>
+          <a:lstStyle/>
+          <a:p>
+            <a:endParaRPr lang="ja-JP" altLang="en-US"/>
+          </a:p>
+        </p:txBody>
+      </p:sp>
+      <p:sp>
+        <p:nvSpPr>
+          <p:cNvPr id="76" name="テキスト ボックス 75"/>
+          <p:cNvSpPr txBox="1"/>
+          <p:nvPr/>
+        </p:nvSpPr>
+        <p:spPr>
+          <a:xfrm>
+            <a:off x="2727696" y="2583311"/>
+            <a:ext cx="723275" cy="461665"/>
+          </a:xfrm>
+          <a:prstGeom prst="rect">
+            <a:avLst/>
+          </a:prstGeom>
+          <a:noFill/>
+        </p:spPr>
+        <p:txBody>
+          <a:bodyPr wrap="none" rtlCol="0">
+            <a:spAutoFit/>
+          </a:bodyPr>
+          <a:lstStyle/>
+          <a:p>
+            <a:r>
+              <a:rPr kumimoji="1" lang="ja-JP" altLang="en-US" sz="2400" dirty="0" smtClean="0">
+                <a:solidFill>
+                  <a:schemeClr val="tx1">
+                    <a:lumMod val="65000"/>
+                    <a:lumOff val="35000"/>
+                  </a:schemeClr>
+                </a:solidFill>
+                <a:latin typeface="HGP創英角ｺﾞｼｯｸUB" panose="020B0900000000000000" pitchFamily="50" charset="-128"/>
+                <a:ea typeface="HGP創英角ｺﾞｼｯｸUB" panose="020B0900000000000000" pitchFamily="50" charset="-128"/>
+              </a:rPr>
+              <a:t>（２）</a:t>
+            </a:r>
+            <a:endParaRPr kumimoji="1" lang="ja-JP" altLang="en-US" sz="2400" dirty="0">
+              <a:solidFill>
+                <a:schemeClr val="tx1">
+                  <a:lumMod val="65000"/>
+                  <a:lumOff val="35000"/>
+                </a:schemeClr>
+              </a:solidFill>
+              <a:latin typeface="HGP創英角ｺﾞｼｯｸUB" panose="020B0900000000000000" pitchFamily="50" charset="-128"/>
+              <a:ea typeface="HGP創英角ｺﾞｼｯｸUB" panose="020B0900000000000000" pitchFamily="50" charset="-128"/>
+            </a:endParaRPr>
+          </a:p>
+        </p:txBody>
+      </p:sp>
+      <p:sp>
+        <p:nvSpPr>
+          <p:cNvPr id="78" name="テキスト ボックス 77"/>
+          <p:cNvSpPr txBox="1"/>
+          <p:nvPr/>
+        </p:nvSpPr>
+        <p:spPr>
+          <a:xfrm>
+            <a:off x="853862" y="2734241"/>
+            <a:ext cx="1229923" cy="338554"/>
+          </a:xfrm>
+          <a:prstGeom prst="rect">
+            <a:avLst/>
+          </a:prstGeom>
+          <a:noFill/>
+        </p:spPr>
+        <p:txBody>
+          <a:bodyPr wrap="square" rtlCol="0">
+            <a:spAutoFit/>
+          </a:bodyPr>
+          <a:lstStyle/>
+          <a:p>
+            <a:pPr algn="ctr"/>
+            <a:r>
+              <a:rPr kumimoji="1" lang="en-US" altLang="ja-JP" sz="1600" b="1" dirty="0" smtClean="0">
+                <a:solidFill>
+                  <a:schemeClr val="tx1">
+                    <a:lumMod val="75000"/>
+                    <a:lumOff val="25000"/>
+                  </a:schemeClr>
+                </a:solidFill>
+                <a:latin typeface="HGP創英角ｺﾞｼｯｸUB" panose="020B0900000000000000" pitchFamily="50" charset="-128"/>
+                <a:ea typeface="HGP創英角ｺﾞｼｯｸUB" panose="020B0900000000000000" pitchFamily="50" charset="-128"/>
+              </a:rPr>
+              <a:t>Client</a:t>
+            </a:r>
+            <a:endParaRPr kumimoji="1" lang="ja-JP" altLang="en-US" sz="1600" b="1" dirty="0">
+              <a:solidFill>
+                <a:schemeClr val="tx1">
+                  <a:lumMod val="75000"/>
+                  <a:lumOff val="25000"/>
+                </a:schemeClr>
+              </a:solidFill>
+              <a:latin typeface="HGP創英角ｺﾞｼｯｸUB" panose="020B0900000000000000" pitchFamily="50" charset="-128"/>
+              <a:ea typeface="HGP創英角ｺﾞｼｯｸUB" panose="020B0900000000000000" pitchFamily="50" charset="-128"/>
+            </a:endParaRPr>
+          </a:p>
+        </p:txBody>
+      </p:sp>
+      <p:sp>
+        <p:nvSpPr>
+          <p:cNvPr id="83" name="正方形/長方形 82"/>
+          <p:cNvSpPr/>
+          <p:nvPr/>
+        </p:nvSpPr>
+        <p:spPr>
+          <a:xfrm>
+            <a:off x="2201559" y="4986282"/>
+            <a:ext cx="5565071" cy="1164487"/>
+          </a:xfrm>
+          <a:prstGeom prst="rect">
+            <a:avLst/>
+          </a:prstGeom>
+          <a:solidFill>
+            <a:schemeClr val="bg1"/>
+          </a:solidFill>
+          <a:ln w="60325">
+            <a:solidFill>
+              <a:schemeClr val="bg1">
+                <a:lumMod val="65000"/>
+              </a:schemeClr>
+            </a:solidFill>
+            <a:miter lim="800000"/>
+          </a:ln>
+          <a:effectLst/>
+        </p:spPr>
+        <p:style>
+          <a:lnRef idx="1">
+            <a:schemeClr val="accent1"/>
+          </a:lnRef>
+          <a:fillRef idx="3">
+            <a:schemeClr val="accent1"/>
+          </a:fillRef>
+          <a:effectRef idx="2">
+            <a:schemeClr val="accent1"/>
+          </a:effectRef>
+          <a:fontRef idx="minor">
+            <a:schemeClr val="lt1"/>
+          </a:fontRef>
+        </p:style>
+        <p:txBody>
+          <a:bodyPr rtlCol="0" anchor="t" anchorCtr="0"/>
+          <a:lstStyle/>
+          <a:p>
+            <a:pPr algn="ctr"/>
+            <a:r>
+              <a:rPr kumimoji="1" lang="en-US" altLang="ja-JP" sz="2000" dirty="0" smtClean="0">
+                <a:solidFill>
+                  <a:schemeClr val="tx1">
+                    <a:lumMod val="50000"/>
+                    <a:lumOff val="50000"/>
+                  </a:schemeClr>
+                </a:solidFill>
+              </a:rPr>
+              <a:t>Web </a:t>
+            </a:r>
+            <a:r>
+              <a:rPr lang="en-US" altLang="ja-JP" sz="2000" smtClean="0">
+                <a:solidFill>
+                  <a:schemeClr val="tx1">
+                    <a:lumMod val="50000"/>
+                    <a:lumOff val="50000"/>
+                  </a:schemeClr>
+                </a:solidFill>
+              </a:rPr>
+              <a:t>Application Resources</a:t>
+            </a:r>
+            <a:endParaRPr kumimoji="1" lang="en-US" altLang="ja-JP" sz="2000" dirty="0" smtClean="0">
+              <a:solidFill>
+                <a:schemeClr val="tx1">
+                  <a:lumMod val="50000"/>
+                  <a:lumOff val="50000"/>
+                </a:schemeClr>
+              </a:solidFill>
+            </a:endParaRPr>
+          </a:p>
+        </p:txBody>
+      </p:sp>
+      <p:sp>
+        <p:nvSpPr>
+          <p:cNvPr id="87" name="正方形/長方形 86"/>
+          <p:cNvSpPr/>
+          <p:nvPr/>
+        </p:nvSpPr>
+        <p:spPr>
+          <a:xfrm>
+            <a:off x="2807603" y="5397205"/>
+            <a:ext cx="1022645" cy="629415"/>
+          </a:xfrm>
+          <a:prstGeom prst="rect">
+            <a:avLst/>
+          </a:prstGeom>
+          <a:solidFill>
+            <a:schemeClr val="accent1">
+              <a:lumMod val="40000"/>
+              <a:lumOff val="60000"/>
+            </a:schemeClr>
+          </a:solidFill>
+          <a:ln>
             <a:noFill/>
-          </p:spPr>
-          <p:txBody>
-            <a:bodyPr wrap="square" rtlCol="0">
-              <a:spAutoFit/>
-            </a:bodyPr>
-            <a:lstStyle/>
-            <a:p>
-              <a:r>
-                <a:rPr kumimoji="1" lang="en-US" altLang="ja-JP" sz="1600" dirty="0" smtClean="0">
-                  <a:effectLst>
-                    <a:outerShdw blurRad="38100" dist="38100" dir="2700000" algn="tl">
-                      <a:srgbClr val="000000">
-                        <a:alpha val="43137"/>
-                      </a:srgbClr>
-                    </a:outerShdw>
-                  </a:effectLst>
-                </a:rPr>
-                <a:t>Spring Security</a:t>
-              </a:r>
-              <a:endParaRPr kumimoji="1" lang="ja-JP" altLang="en-US" sz="1600" dirty="0">
-                <a:effectLst>
-                  <a:outerShdw blurRad="38100" dist="38100" dir="2700000" algn="tl">
-                    <a:srgbClr val="000000">
-                      <a:alpha val="43137"/>
-                    </a:srgbClr>
-                  </a:outerShdw>
-                </a:effectLst>
-              </a:endParaRPr>
-            </a:p>
-          </p:txBody>
-        </p:sp>
-        <p:sp>
-          <p:nvSpPr>
-            <p:cNvPr id="9" name="角丸四角形 8"/>
-            <p:cNvSpPr/>
-            <p:nvPr/>
-          </p:nvSpPr>
-          <p:spPr>
-            <a:xfrm>
-              <a:off x="241300" y="1386116"/>
-              <a:ext cx="1175657" cy="455386"/>
-            </a:xfrm>
-            <a:prstGeom prst="roundRect">
-              <a:avLst/>
-            </a:prstGeom>
-            <a:ln/>
-          </p:spPr>
-          <p:style>
-            <a:lnRef idx="1">
-              <a:schemeClr val="dk1"/>
-            </a:lnRef>
-            <a:fillRef idx="2">
-              <a:schemeClr val="dk1"/>
-            </a:fillRef>
-            <a:effectRef idx="1">
-              <a:schemeClr val="dk1"/>
-            </a:effectRef>
-            <a:fontRef idx="minor">
-              <a:schemeClr val="dk1"/>
-            </a:fontRef>
-          </p:style>
-          <p:txBody>
-            <a:bodyPr rtlCol="0" anchor="ctr"/>
-            <a:lstStyle/>
-            <a:p>
-              <a:pPr algn="ctr"/>
-              <a:r>
-                <a:rPr kumimoji="1" lang="en-US" altLang="ja-JP" sz="1400" dirty="0" smtClean="0">
-                  <a:solidFill>
-                    <a:schemeClr val="tx1"/>
-                  </a:solidFill>
-                </a:rPr>
-                <a:t>Client</a:t>
-              </a:r>
-              <a:endParaRPr kumimoji="1" lang="ja-JP" altLang="en-US" sz="1400" dirty="0">
+          </a:ln>
+        </p:spPr>
+        <p:style>
+          <a:lnRef idx="2">
+            <a:schemeClr val="accent1">
+              <a:shade val="50000"/>
+            </a:schemeClr>
+          </a:lnRef>
+          <a:fillRef idx="1">
+            <a:schemeClr val="accent1"/>
+          </a:fillRef>
+          <a:effectRef idx="0">
+            <a:schemeClr val="accent1"/>
+          </a:effectRef>
+          <a:fontRef idx="minor">
+            <a:schemeClr val="lt1"/>
+          </a:fontRef>
+        </p:style>
+        <p:txBody>
+          <a:bodyPr rtlCol="0" anchor="ctr"/>
+          <a:lstStyle/>
+          <a:p>
+            <a:pPr algn="ctr"/>
+            <a:r>
+              <a:rPr lang="en-US" altLang="ja-JP" dirty="0" smtClean="0">
                 <a:solidFill>
-                  <a:schemeClr val="tx1"/>
+                  <a:schemeClr val="tx1">
+                    <a:lumMod val="75000"/>
+                    <a:lumOff val="25000"/>
+                  </a:schemeClr>
                 </a:solidFill>
-              </a:endParaRPr>
-            </a:p>
-          </p:txBody>
-        </p:sp>
-        <p:sp>
-          <p:nvSpPr>
-            <p:cNvPr id="10" name="正方形/長方形 9"/>
-            <p:cNvSpPr/>
-            <p:nvPr/>
-          </p:nvSpPr>
-          <p:spPr>
-            <a:xfrm>
-              <a:off x="2032000" y="601807"/>
-              <a:ext cx="6273800" cy="2992293"/>
-            </a:xfrm>
-            <a:prstGeom prst="rect">
-              <a:avLst/>
-            </a:prstGeom>
-            <a:ln/>
-          </p:spPr>
-          <p:style>
-            <a:lnRef idx="1">
-              <a:schemeClr val="accent5"/>
-            </a:lnRef>
-            <a:fillRef idx="2">
-              <a:schemeClr val="accent5"/>
-            </a:fillRef>
-            <a:effectRef idx="1">
-              <a:schemeClr val="accent5"/>
-            </a:effectRef>
-            <a:fontRef idx="minor">
-              <a:schemeClr val="dk1"/>
-            </a:fontRef>
-          </p:style>
-          <p:txBody>
-            <a:bodyPr rtlCol="0" anchor="ctr"/>
-            <a:lstStyle/>
-            <a:p>
-              <a:pPr algn="ctr"/>
-              <a:endParaRPr kumimoji="1" lang="ja-JP" altLang="en-US"/>
-            </a:p>
-          </p:txBody>
-        </p:sp>
-        <p:sp>
-          <p:nvSpPr>
-            <p:cNvPr id="11" name="正方形/長方形 10"/>
-            <p:cNvSpPr/>
-            <p:nvPr/>
-          </p:nvSpPr>
-          <p:spPr>
-            <a:xfrm>
-              <a:off x="2031999" y="4292600"/>
-              <a:ext cx="4709331" cy="1574800"/>
-            </a:xfrm>
-            <a:prstGeom prst="rect">
-              <a:avLst/>
-            </a:prstGeom>
-            <a:ln/>
-          </p:spPr>
-          <p:style>
-            <a:lnRef idx="1">
-              <a:schemeClr val="accent2"/>
-            </a:lnRef>
-            <a:fillRef idx="2">
-              <a:schemeClr val="accent2"/>
-            </a:fillRef>
-            <a:effectRef idx="1">
-              <a:schemeClr val="accent2"/>
-            </a:effectRef>
-            <a:fontRef idx="minor">
-              <a:schemeClr val="dk1"/>
-            </a:fontRef>
-          </p:style>
-          <p:txBody>
-            <a:bodyPr rtlCol="0" anchor="ctr"/>
-            <a:lstStyle/>
-            <a:p>
-              <a:pPr algn="ctr"/>
-              <a:endParaRPr kumimoji="1" lang="ja-JP" altLang="en-US" dirty="0"/>
-            </a:p>
-          </p:txBody>
-        </p:sp>
-        <p:sp>
-          <p:nvSpPr>
-            <p:cNvPr id="12" name="角丸四角形 11"/>
-            <p:cNvSpPr/>
-            <p:nvPr/>
-          </p:nvSpPr>
-          <p:spPr>
-            <a:xfrm>
-              <a:off x="2286000" y="6249307"/>
-              <a:ext cx="1843869" cy="455386"/>
-            </a:xfrm>
-            <a:prstGeom prst="roundRect">
-              <a:avLst/>
-            </a:prstGeom>
-            <a:ln/>
-          </p:spPr>
-          <p:style>
-            <a:lnRef idx="1">
-              <a:schemeClr val="dk1"/>
-            </a:lnRef>
-            <a:fillRef idx="2">
-              <a:schemeClr val="dk1"/>
-            </a:fillRef>
-            <a:effectRef idx="1">
-              <a:schemeClr val="dk1"/>
-            </a:effectRef>
-            <a:fontRef idx="minor">
-              <a:schemeClr val="dk1"/>
-            </a:fontRef>
-          </p:style>
-          <p:txBody>
-            <a:bodyPr rtlCol="0" anchor="ctr"/>
-            <a:lstStyle/>
-            <a:p>
-              <a:pPr algn="ctr"/>
-              <a:r>
-                <a:rPr kumimoji="1" lang="en-US" altLang="ja-JP" sz="1400" dirty="0" smtClean="0">
-                  <a:solidFill>
-                    <a:schemeClr val="tx1"/>
-                  </a:solidFill>
-                </a:rPr>
-                <a:t>Resource</a:t>
-              </a:r>
-              <a:r>
-                <a:rPr lang="en-US" altLang="ja-JP" sz="1400" dirty="0" smtClean="0">
-                  <a:solidFill>
-                    <a:schemeClr val="tx1"/>
-                  </a:solidFill>
-                </a:rPr>
-                <a:t>(URL Etc.)</a:t>
-              </a:r>
-              <a:endParaRPr kumimoji="1" lang="ja-JP" altLang="en-US" sz="1400" dirty="0">
+                <a:latin typeface="HGP創英角ｺﾞｼｯｸUB" panose="020B0900000000000000" pitchFamily="50" charset="-128"/>
+                <a:ea typeface="HGP創英角ｺﾞｼｯｸUB" panose="020B0900000000000000" pitchFamily="50" charset="-128"/>
+              </a:rPr>
+              <a:t>Servlet</a:t>
+            </a:r>
+          </a:p>
+          <a:p>
+            <a:pPr algn="ctr"/>
+            <a:r>
+              <a:rPr lang="en-US" altLang="ja-JP" dirty="0" smtClean="0">
                 <a:solidFill>
-                  <a:schemeClr val="tx1"/>
+                  <a:schemeClr val="tx1">
+                    <a:lumMod val="75000"/>
+                    <a:lumOff val="25000"/>
+                  </a:schemeClr>
                 </a:solidFill>
-              </a:endParaRPr>
-            </a:p>
-          </p:txBody>
-        </p:sp>
-        <p:sp>
-          <p:nvSpPr>
-            <p:cNvPr id="13" name="正方形/長方形 12"/>
-            <p:cNvSpPr/>
-            <p:nvPr/>
-          </p:nvSpPr>
-          <p:spPr>
-            <a:xfrm>
-              <a:off x="2870200" y="1208315"/>
-              <a:ext cx="1272369" cy="810987"/>
-            </a:xfrm>
-            <a:prstGeom prst="rect">
-              <a:avLst/>
-            </a:prstGeom>
-            <a:ln/>
-          </p:spPr>
-          <p:style>
-            <a:lnRef idx="0">
-              <a:schemeClr val="accent5"/>
-            </a:lnRef>
-            <a:fillRef idx="3">
-              <a:schemeClr val="accent5"/>
-            </a:fillRef>
-            <a:effectRef idx="3">
-              <a:schemeClr val="accent5"/>
-            </a:effectRef>
-            <a:fontRef idx="minor">
-              <a:schemeClr val="lt1"/>
-            </a:fontRef>
-          </p:style>
-          <p:txBody>
-            <a:bodyPr rtlCol="0" anchor="ctr"/>
-            <a:lstStyle/>
-            <a:p>
-              <a:pPr algn="ctr"/>
-              <a:r>
-                <a:rPr kumimoji="1" lang="en-US" altLang="ja-JP" sz="1400" dirty="0" smtClean="0">
-                  <a:solidFill>
-                    <a:schemeClr val="tx1"/>
-                  </a:solidFill>
-                </a:rPr>
-                <a:t>Authentication Filter</a:t>
-              </a:r>
-              <a:endParaRPr kumimoji="1" lang="ja-JP" altLang="en-US" sz="1400" dirty="0">
+                <a:latin typeface="HGP創英角ｺﾞｼｯｸUB" panose="020B0900000000000000" pitchFamily="50" charset="-128"/>
+                <a:ea typeface="HGP創英角ｺﾞｼｯｸUB" panose="020B0900000000000000" pitchFamily="50" charset="-128"/>
+              </a:rPr>
+              <a:t>Filter</a:t>
+            </a:r>
+            <a:endParaRPr lang="en-US" altLang="ja-JP" dirty="0">
+              <a:solidFill>
+                <a:schemeClr val="tx1">
+                  <a:lumMod val="75000"/>
+                  <a:lumOff val="25000"/>
+                </a:schemeClr>
+              </a:solidFill>
+              <a:latin typeface="HGP創英角ｺﾞｼｯｸUB" panose="020B0900000000000000" pitchFamily="50" charset="-128"/>
+              <a:ea typeface="HGP創英角ｺﾞｼｯｸUB" panose="020B0900000000000000" pitchFamily="50" charset="-128"/>
+            </a:endParaRPr>
+          </a:p>
+        </p:txBody>
+      </p:sp>
+      <p:sp>
+        <p:nvSpPr>
+          <p:cNvPr id="88" name="正方形/長方形 87"/>
+          <p:cNvSpPr/>
+          <p:nvPr/>
+        </p:nvSpPr>
+        <p:spPr>
+          <a:xfrm>
+            <a:off x="3916623" y="5401398"/>
+            <a:ext cx="1022645" cy="625222"/>
+          </a:xfrm>
+          <a:prstGeom prst="rect">
+            <a:avLst/>
+          </a:prstGeom>
+          <a:solidFill>
+            <a:schemeClr val="accent1">
+              <a:lumMod val="40000"/>
+              <a:lumOff val="60000"/>
+            </a:schemeClr>
+          </a:solidFill>
+          <a:ln>
+            <a:noFill/>
+          </a:ln>
+        </p:spPr>
+        <p:style>
+          <a:lnRef idx="2">
+            <a:schemeClr val="accent1">
+              <a:shade val="50000"/>
+            </a:schemeClr>
+          </a:lnRef>
+          <a:fillRef idx="1">
+            <a:schemeClr val="accent1"/>
+          </a:fillRef>
+          <a:effectRef idx="0">
+            <a:schemeClr val="accent1"/>
+          </a:effectRef>
+          <a:fontRef idx="minor">
+            <a:schemeClr val="lt1"/>
+          </a:fontRef>
+        </p:style>
+        <p:txBody>
+          <a:bodyPr rtlCol="0" anchor="ctr"/>
+          <a:lstStyle/>
+          <a:p>
+            <a:pPr algn="ctr"/>
+            <a:r>
+              <a:rPr lang="en-US" altLang="ja-JP" dirty="0" smtClean="0">
                 <a:solidFill>
-                  <a:schemeClr val="tx1"/>
+                  <a:schemeClr val="tx1">
+                    <a:lumMod val="75000"/>
+                    <a:lumOff val="25000"/>
+                  </a:schemeClr>
                 </a:solidFill>
-              </a:endParaRPr>
-            </a:p>
-          </p:txBody>
-        </p:sp>
-        <p:sp>
-          <p:nvSpPr>
-            <p:cNvPr id="14" name="正方形/長方形 13"/>
-            <p:cNvSpPr/>
-            <p:nvPr/>
-          </p:nvSpPr>
-          <p:spPr>
-            <a:xfrm>
-              <a:off x="5256615" y="1207407"/>
-              <a:ext cx="1272369" cy="810987"/>
-            </a:xfrm>
-            <a:prstGeom prst="rect">
-              <a:avLst/>
-            </a:prstGeom>
-            <a:ln/>
-          </p:spPr>
-          <p:style>
-            <a:lnRef idx="0">
-              <a:schemeClr val="accent5"/>
-            </a:lnRef>
-            <a:fillRef idx="3">
-              <a:schemeClr val="accent5"/>
-            </a:fillRef>
-            <a:effectRef idx="3">
-              <a:schemeClr val="accent5"/>
-            </a:effectRef>
-            <a:fontRef idx="minor">
-              <a:schemeClr val="lt1"/>
-            </a:fontRef>
-          </p:style>
-          <p:txBody>
-            <a:bodyPr rtlCol="0" anchor="ctr"/>
-            <a:lstStyle/>
-            <a:p>
-              <a:pPr algn="ctr"/>
-              <a:r>
-                <a:rPr lang="en-US" altLang="ja-JP" sz="1400" dirty="0" smtClean="0">
-                  <a:solidFill>
-                    <a:schemeClr val="tx1"/>
-                  </a:solidFill>
-                </a:rPr>
-                <a:t>Authentication Manager</a:t>
-              </a:r>
-              <a:endParaRPr lang="ja-JP" altLang="en-US" sz="1400" dirty="0" smtClean="0">
+                <a:latin typeface="HGP創英角ｺﾞｼｯｸUB" panose="020B0900000000000000" pitchFamily="50" charset="-128"/>
+                <a:ea typeface="HGP創英角ｺﾞｼｯｸUB" panose="020B0900000000000000" pitchFamily="50" charset="-128"/>
+              </a:rPr>
+              <a:t>Servlet</a:t>
+            </a:r>
+            <a:endParaRPr lang="en-US" altLang="ja-JP" dirty="0">
+              <a:solidFill>
+                <a:schemeClr val="tx1">
+                  <a:lumMod val="75000"/>
+                  <a:lumOff val="25000"/>
+                </a:schemeClr>
+              </a:solidFill>
+              <a:latin typeface="HGP創英角ｺﾞｼｯｸUB" panose="020B0900000000000000" pitchFamily="50" charset="-128"/>
+              <a:ea typeface="HGP創英角ｺﾞｼｯｸUB" panose="020B0900000000000000" pitchFamily="50" charset="-128"/>
+            </a:endParaRPr>
+          </a:p>
+        </p:txBody>
+      </p:sp>
+      <p:sp>
+        <p:nvSpPr>
+          <p:cNvPr id="89" name="正方形/長方形 88"/>
+          <p:cNvSpPr/>
+          <p:nvPr/>
+        </p:nvSpPr>
+        <p:spPr>
+          <a:xfrm>
+            <a:off x="5025318" y="5397206"/>
+            <a:ext cx="1022645" cy="629414"/>
+          </a:xfrm>
+          <a:prstGeom prst="rect">
+            <a:avLst/>
+          </a:prstGeom>
+          <a:solidFill>
+            <a:schemeClr val="accent1">
+              <a:lumMod val="40000"/>
+              <a:lumOff val="60000"/>
+            </a:schemeClr>
+          </a:solidFill>
+          <a:ln>
+            <a:noFill/>
+          </a:ln>
+        </p:spPr>
+        <p:style>
+          <a:lnRef idx="2">
+            <a:schemeClr val="accent1">
+              <a:shade val="50000"/>
+            </a:schemeClr>
+          </a:lnRef>
+          <a:fillRef idx="1">
+            <a:schemeClr val="accent1"/>
+          </a:fillRef>
+          <a:effectRef idx="0">
+            <a:schemeClr val="accent1"/>
+          </a:effectRef>
+          <a:fontRef idx="minor">
+            <a:schemeClr val="lt1"/>
+          </a:fontRef>
+        </p:style>
+        <p:txBody>
+          <a:bodyPr rtlCol="0" anchor="ctr"/>
+          <a:lstStyle/>
+          <a:p>
+            <a:pPr algn="ctr"/>
+            <a:r>
+              <a:rPr lang="en-US" altLang="ja-JP" dirty="0" err="1">
                 <a:solidFill>
-                  <a:schemeClr val="tx1"/>
+                  <a:schemeClr val="tx1">
+                    <a:lumMod val="75000"/>
+                    <a:lumOff val="25000"/>
+                  </a:schemeClr>
                 </a:solidFill>
-              </a:endParaRPr>
-            </a:p>
-          </p:txBody>
-        </p:sp>
-        <p:sp>
-          <p:nvSpPr>
-            <p:cNvPr id="15" name="正方形/長方形 14"/>
-            <p:cNvSpPr/>
-            <p:nvPr/>
-          </p:nvSpPr>
-          <p:spPr>
-            <a:xfrm>
-              <a:off x="5256615" y="2554513"/>
-              <a:ext cx="1272369" cy="810987"/>
-            </a:xfrm>
-            <a:prstGeom prst="rect">
-              <a:avLst/>
-            </a:prstGeom>
-            <a:ln/>
-          </p:spPr>
-          <p:style>
-            <a:lnRef idx="0">
-              <a:schemeClr val="accent5"/>
-            </a:lnRef>
-            <a:fillRef idx="3">
-              <a:schemeClr val="accent5"/>
-            </a:fillRef>
-            <a:effectRef idx="3">
-              <a:schemeClr val="accent5"/>
-            </a:effectRef>
-            <a:fontRef idx="minor">
-              <a:schemeClr val="lt1"/>
-            </a:fontRef>
-          </p:style>
-          <p:txBody>
-            <a:bodyPr rtlCol="0" anchor="ctr"/>
-            <a:lstStyle/>
-            <a:p>
-              <a:r>
-                <a:rPr lang="en-US" altLang="ja-JP" sz="1400" dirty="0" smtClean="0">
-                  <a:solidFill>
-                    <a:schemeClr val="tx1"/>
-                  </a:solidFill>
-                </a:rPr>
-                <a:t>Authentication</a:t>
-              </a:r>
-              <a:endParaRPr lang="ja-JP" altLang="en-US" sz="1400" dirty="0" smtClean="0">
+                <a:latin typeface="HGP創英角ｺﾞｼｯｸUB" panose="020B0900000000000000" pitchFamily="50" charset="-128"/>
+                <a:ea typeface="HGP創英角ｺﾞｼｯｸUB" panose="020B0900000000000000" pitchFamily="50" charset="-128"/>
+              </a:rPr>
+              <a:t>jsp</a:t>
+            </a:r>
+            <a:endParaRPr lang="en-US" altLang="ja-JP" dirty="0">
+              <a:solidFill>
+                <a:schemeClr val="tx1">
+                  <a:lumMod val="75000"/>
+                  <a:lumOff val="25000"/>
+                </a:schemeClr>
+              </a:solidFill>
+              <a:latin typeface="HGP創英角ｺﾞｼｯｸUB" panose="020B0900000000000000" pitchFamily="50" charset="-128"/>
+              <a:ea typeface="HGP創英角ｺﾞｼｯｸUB" panose="020B0900000000000000" pitchFamily="50" charset="-128"/>
+            </a:endParaRPr>
+          </a:p>
+        </p:txBody>
+      </p:sp>
+      <p:sp>
+        <p:nvSpPr>
+          <p:cNvPr id="91" name="正方形/長方形 90"/>
+          <p:cNvSpPr/>
+          <p:nvPr/>
+        </p:nvSpPr>
+        <p:spPr>
+          <a:xfrm>
+            <a:off x="6148546" y="5401398"/>
+            <a:ext cx="1022645" cy="625222"/>
+          </a:xfrm>
+          <a:prstGeom prst="rect">
+            <a:avLst/>
+          </a:prstGeom>
+          <a:solidFill>
+            <a:schemeClr val="accent1">
+              <a:lumMod val="40000"/>
+              <a:lumOff val="60000"/>
+            </a:schemeClr>
+          </a:solidFill>
+          <a:ln>
+            <a:noFill/>
+          </a:ln>
+        </p:spPr>
+        <p:style>
+          <a:lnRef idx="2">
+            <a:schemeClr val="accent1">
+              <a:shade val="50000"/>
+            </a:schemeClr>
+          </a:lnRef>
+          <a:fillRef idx="1">
+            <a:schemeClr val="accent1"/>
+          </a:fillRef>
+          <a:effectRef idx="0">
+            <a:schemeClr val="accent1"/>
+          </a:effectRef>
+          <a:fontRef idx="minor">
+            <a:schemeClr val="lt1"/>
+          </a:fontRef>
+        </p:style>
+        <p:txBody>
+          <a:bodyPr rtlCol="0" anchor="ctr"/>
+          <a:lstStyle/>
+          <a:p>
+            <a:pPr algn="ctr"/>
+            <a:r>
+              <a:rPr lang="ja-JP" altLang="en-US" dirty="0" smtClean="0">
                 <a:solidFill>
-                  <a:schemeClr val="tx1"/>
+                  <a:schemeClr val="tx1">
+                    <a:lumMod val="75000"/>
+                    <a:lumOff val="25000"/>
+                  </a:schemeClr>
                 </a:solidFill>
-              </a:endParaRPr>
-            </a:p>
-            <a:p>
-              <a:r>
-                <a:rPr lang="en-US" altLang="ja-JP" sz="1400" dirty="0" smtClean="0">
-                  <a:solidFill>
-                    <a:schemeClr val="tx1"/>
-                  </a:solidFill>
-                </a:rPr>
-                <a:t>      Provider</a:t>
-              </a:r>
-              <a:endParaRPr lang="ja-JP" altLang="en-US" sz="1400" dirty="0" smtClean="0">
+                <a:latin typeface="HGP創英角ｺﾞｼｯｸUB" panose="020B0900000000000000" pitchFamily="50" charset="-128"/>
+                <a:ea typeface="HGP創英角ｺﾞｼｯｸUB" panose="020B0900000000000000" pitchFamily="50" charset="-128"/>
+              </a:rPr>
+              <a:t>・・・</a:t>
+            </a:r>
+            <a:endParaRPr lang="en-US" altLang="ja-JP" dirty="0">
+              <a:solidFill>
+                <a:schemeClr val="tx1">
+                  <a:lumMod val="75000"/>
+                  <a:lumOff val="25000"/>
+                </a:schemeClr>
+              </a:solidFill>
+              <a:latin typeface="HGP創英角ｺﾞｼｯｸUB" panose="020B0900000000000000" pitchFamily="50" charset="-128"/>
+              <a:ea typeface="HGP創英角ｺﾞｼｯｸUB" panose="020B0900000000000000" pitchFamily="50" charset="-128"/>
+            </a:endParaRPr>
+          </a:p>
+        </p:txBody>
+      </p:sp>
+      <p:sp>
+        <p:nvSpPr>
+          <p:cNvPr id="96" name="正方形/長方形 95"/>
+          <p:cNvSpPr/>
+          <p:nvPr/>
+        </p:nvSpPr>
+        <p:spPr>
+          <a:xfrm>
+            <a:off x="2538694" y="1196753"/>
+            <a:ext cx="5042979" cy="3068042"/>
+          </a:xfrm>
+          <a:prstGeom prst="rect">
+            <a:avLst/>
+          </a:prstGeom>
+          <a:noFill/>
+          <a:ln w="63500">
+            <a:solidFill>
+              <a:schemeClr val="accent6">
+                <a:lumMod val="60000"/>
+                <a:lumOff val="40000"/>
+              </a:schemeClr>
+            </a:solidFill>
+            <a:prstDash val="solid"/>
+            <a:miter lim="800000"/>
+          </a:ln>
+          <a:effectLst/>
+        </p:spPr>
+        <p:style>
+          <a:lnRef idx="1">
+            <a:schemeClr val="accent1"/>
+          </a:lnRef>
+          <a:fillRef idx="3">
+            <a:schemeClr val="accent1"/>
+          </a:fillRef>
+          <a:effectRef idx="2">
+            <a:schemeClr val="accent1"/>
+          </a:effectRef>
+          <a:fontRef idx="minor">
+            <a:schemeClr val="lt1"/>
+          </a:fontRef>
+        </p:style>
+        <p:txBody>
+          <a:bodyPr rtlCol="0" anchor="b" anchorCtr="1"/>
+          <a:lstStyle/>
+          <a:p>
+            <a:pPr algn="ctr"/>
+            <a:endParaRPr kumimoji="1" lang="en-US" altLang="ja-JP" sz="2000" dirty="0" smtClean="0">
+              <a:solidFill>
+                <a:schemeClr val="tx1">
+                  <a:lumMod val="50000"/>
+                  <a:lumOff val="50000"/>
+                </a:schemeClr>
+              </a:solidFill>
+            </a:endParaRPr>
+          </a:p>
+        </p:txBody>
+      </p:sp>
+      <p:sp>
+        <p:nvSpPr>
+          <p:cNvPr id="99" name="テキスト ボックス 98"/>
+          <p:cNvSpPr txBox="1"/>
+          <p:nvPr/>
+        </p:nvSpPr>
+        <p:spPr>
+          <a:xfrm>
+            <a:off x="5236825" y="4035783"/>
+            <a:ext cx="723275" cy="461665"/>
+          </a:xfrm>
+          <a:prstGeom prst="rect">
+            <a:avLst/>
+          </a:prstGeom>
+          <a:noFill/>
+        </p:spPr>
+        <p:txBody>
+          <a:bodyPr wrap="none" rtlCol="0">
+            <a:spAutoFit/>
+          </a:bodyPr>
+          <a:lstStyle/>
+          <a:p>
+            <a:r>
+              <a:rPr kumimoji="1" lang="ja-JP" altLang="en-US" sz="2400" dirty="0" smtClean="0">
                 <a:solidFill>
-                  <a:schemeClr val="tx1"/>
+                  <a:schemeClr val="tx1">
+                    <a:lumMod val="65000"/>
+                    <a:lumOff val="35000"/>
+                  </a:schemeClr>
                 </a:solidFill>
-              </a:endParaRPr>
-            </a:p>
-          </p:txBody>
-        </p:sp>
-        <p:sp>
-          <p:nvSpPr>
-            <p:cNvPr id="16" name="正方形/長方形 15"/>
-            <p:cNvSpPr/>
-            <p:nvPr/>
-          </p:nvSpPr>
-          <p:spPr>
-            <a:xfrm>
-              <a:off x="6741331" y="2554513"/>
-              <a:ext cx="1272369" cy="810987"/>
-            </a:xfrm>
-            <a:prstGeom prst="rect">
-              <a:avLst/>
-            </a:prstGeom>
-            <a:ln/>
-          </p:spPr>
-          <p:style>
-            <a:lnRef idx="0">
-              <a:schemeClr val="accent5"/>
-            </a:lnRef>
-            <a:fillRef idx="3">
-              <a:schemeClr val="accent5"/>
-            </a:fillRef>
-            <a:effectRef idx="3">
-              <a:schemeClr val="accent5"/>
-            </a:effectRef>
-            <a:fontRef idx="minor">
-              <a:schemeClr val="lt1"/>
-            </a:fontRef>
-          </p:style>
-          <p:txBody>
-            <a:bodyPr rtlCol="0" anchor="ctr"/>
-            <a:lstStyle/>
-            <a:p>
-              <a:pPr algn="ctr"/>
-              <a:r>
-                <a:rPr lang="en-US" altLang="ja-JP" sz="1400" dirty="0" smtClean="0">
-                  <a:solidFill>
-                    <a:schemeClr val="tx1"/>
-                  </a:solidFill>
-                </a:rPr>
-                <a:t>Authentication Info</a:t>
-              </a:r>
-              <a:endParaRPr lang="ja-JP" altLang="en-US" sz="1400" dirty="0" smtClean="0">
+                <a:latin typeface="HGP創英角ｺﾞｼｯｸUB" panose="020B0900000000000000" pitchFamily="50" charset="-128"/>
+                <a:ea typeface="HGP創英角ｺﾞｼｯｸUB" panose="020B0900000000000000" pitchFamily="50" charset="-128"/>
+              </a:rPr>
+              <a:t>（５）</a:t>
+            </a:r>
+            <a:endParaRPr kumimoji="1" lang="ja-JP" altLang="en-US" sz="2400" dirty="0">
+              <a:solidFill>
+                <a:schemeClr val="tx1">
+                  <a:lumMod val="65000"/>
+                  <a:lumOff val="35000"/>
+                </a:schemeClr>
+              </a:solidFill>
+              <a:latin typeface="HGP創英角ｺﾞｼｯｸUB" panose="020B0900000000000000" pitchFamily="50" charset="-128"/>
+              <a:ea typeface="HGP創英角ｺﾞｼｯｸUB" panose="020B0900000000000000" pitchFamily="50" charset="-128"/>
+            </a:endParaRPr>
+          </a:p>
+        </p:txBody>
+      </p:sp>
+      <p:cxnSp>
+        <p:nvCxnSpPr>
+          <p:cNvPr id="100" name="直線矢印コネクタ 99"/>
+          <p:cNvCxnSpPr/>
+          <p:nvPr/>
+        </p:nvCxnSpPr>
+        <p:spPr bwMode="invGray">
+          <a:xfrm flipV="1">
+            <a:off x="1842184" y="3366660"/>
+            <a:ext cx="955894" cy="3382"/>
+          </a:xfrm>
+          <a:prstGeom prst="straightConnector1">
+            <a:avLst/>
+          </a:prstGeom>
+          <a:ln w="50800">
+            <a:solidFill>
+              <a:schemeClr val="tx2">
+                <a:lumMod val="40000"/>
+                <a:lumOff val="60000"/>
+              </a:schemeClr>
+            </a:solidFill>
+            <a:headEnd type="none" w="lg" len="lg"/>
+            <a:tailEnd type="triangle" w="lg" len="lg"/>
+          </a:ln>
+        </p:spPr>
+        <p:style>
+          <a:lnRef idx="1">
+            <a:schemeClr val="accent1"/>
+          </a:lnRef>
+          <a:fillRef idx="0">
+            <a:schemeClr val="accent1"/>
+          </a:fillRef>
+          <a:effectRef idx="0">
+            <a:schemeClr val="accent1"/>
+          </a:effectRef>
+          <a:fontRef idx="minor">
+            <a:schemeClr val="tx1"/>
+          </a:fontRef>
+        </p:style>
+      </p:cxnSp>
+      <p:sp>
+        <p:nvSpPr>
+          <p:cNvPr id="103" name="円形吹き出し 102"/>
+          <p:cNvSpPr/>
+          <p:nvPr/>
+        </p:nvSpPr>
+        <p:spPr>
+          <a:xfrm>
+            <a:off x="827584" y="620688"/>
+            <a:ext cx="2164748" cy="898401"/>
+          </a:xfrm>
+          <a:prstGeom prst="wedgeEllipseCallout">
+            <a:avLst>
+              <a:gd name="adj1" fmla="val 29080"/>
+              <a:gd name="adj2" fmla="val 81367"/>
+            </a:avLst>
+          </a:prstGeom>
+          <a:solidFill>
+            <a:schemeClr val="accent6">
+              <a:lumMod val="60000"/>
+              <a:lumOff val="40000"/>
+            </a:schemeClr>
+          </a:solidFill>
+          <a:ln w="12700">
+            <a:solidFill>
+              <a:schemeClr val="accent6">
+                <a:lumMod val="40000"/>
+                <a:lumOff val="60000"/>
+              </a:schemeClr>
+            </a:solidFill>
+          </a:ln>
+          <a:effectLst/>
+        </p:spPr>
+        <p:style>
+          <a:lnRef idx="3">
+            <a:schemeClr val="lt1"/>
+          </a:lnRef>
+          <a:fillRef idx="1">
+            <a:schemeClr val="accent6"/>
+          </a:fillRef>
+          <a:effectRef idx="1">
+            <a:schemeClr val="accent6"/>
+          </a:effectRef>
+          <a:fontRef idx="minor">
+            <a:schemeClr val="lt1"/>
+          </a:fontRef>
+        </p:style>
+        <p:txBody>
+          <a:bodyPr rtlCol="0" anchor="ctr"/>
+          <a:lstStyle/>
+          <a:p>
+            <a:pPr algn="ctr"/>
+            <a:r>
+              <a:rPr kumimoji="1" lang="en-US" altLang="ja-JP" dirty="0" smtClean="0">
                 <a:solidFill>
-                  <a:schemeClr val="tx1"/>
+                  <a:schemeClr val="tx1">
+                    <a:lumMod val="75000"/>
+                    <a:lumOff val="25000"/>
+                  </a:schemeClr>
                 </a:solidFill>
-              </a:endParaRPr>
-            </a:p>
-          </p:txBody>
-        </p:sp>
-        <p:sp>
-          <p:nvSpPr>
-            <p:cNvPr id="19" name="テキスト ボックス 18"/>
-            <p:cNvSpPr txBox="1"/>
-            <p:nvPr/>
-          </p:nvSpPr>
-          <p:spPr>
-            <a:xfrm>
-              <a:off x="2032000" y="4292600"/>
-              <a:ext cx="3719594" cy="307777"/>
-            </a:xfrm>
-            <a:prstGeom prst="rect">
-              <a:avLst/>
-            </a:prstGeom>
+                <a:latin typeface="HGP創英角ｺﾞｼｯｸUB" panose="020B0900000000000000" pitchFamily="50" charset="-128"/>
+                <a:ea typeface="HGP創英角ｺﾞｼｯｸUB" panose="020B0900000000000000" pitchFamily="50" charset="-128"/>
+              </a:rPr>
+              <a:t>Servlet Filter</a:t>
+            </a:r>
+            <a:endParaRPr kumimoji="1" lang="ja-JP" altLang="en-US" dirty="0">
+              <a:solidFill>
+                <a:schemeClr val="tx1">
+                  <a:lumMod val="75000"/>
+                  <a:lumOff val="25000"/>
+                </a:schemeClr>
+              </a:solidFill>
+              <a:latin typeface="HGP創英角ｺﾞｼｯｸUB" panose="020B0900000000000000" pitchFamily="50" charset="-128"/>
+              <a:ea typeface="HGP創英角ｺﾞｼｯｸUB" panose="020B0900000000000000" pitchFamily="50" charset="-128"/>
+            </a:endParaRPr>
+          </a:p>
+        </p:txBody>
+      </p:sp>
+      <p:sp>
+        <p:nvSpPr>
+          <p:cNvPr id="107" name="テキスト ボックス 106"/>
+          <p:cNvSpPr txBox="1"/>
+          <p:nvPr/>
+        </p:nvSpPr>
+        <p:spPr>
+          <a:xfrm>
+            <a:off x="2167990" y="2891100"/>
+            <a:ext cx="723275" cy="461665"/>
+          </a:xfrm>
+          <a:prstGeom prst="rect">
+            <a:avLst/>
+          </a:prstGeom>
+          <a:noFill/>
+        </p:spPr>
+        <p:txBody>
+          <a:bodyPr wrap="none" rtlCol="0">
+            <a:spAutoFit/>
+          </a:bodyPr>
+          <a:lstStyle/>
+          <a:p>
+            <a:r>
+              <a:rPr kumimoji="1" lang="ja-JP" altLang="en-US" sz="2400" dirty="0" smtClean="0">
+                <a:solidFill>
+                  <a:schemeClr val="tx1">
+                    <a:lumMod val="65000"/>
+                    <a:lumOff val="35000"/>
+                  </a:schemeClr>
+                </a:solidFill>
+                <a:latin typeface="HGP創英角ｺﾞｼｯｸUB" panose="020B0900000000000000" pitchFamily="50" charset="-128"/>
+                <a:ea typeface="HGP創英角ｺﾞｼｯｸUB" panose="020B0900000000000000" pitchFamily="50" charset="-128"/>
+              </a:rPr>
+              <a:t>（１）</a:t>
+            </a:r>
+            <a:endParaRPr kumimoji="1" lang="ja-JP" altLang="en-US" sz="2400" dirty="0">
+              <a:solidFill>
+                <a:schemeClr val="tx1">
+                  <a:lumMod val="65000"/>
+                  <a:lumOff val="35000"/>
+                </a:schemeClr>
+              </a:solidFill>
+              <a:latin typeface="HGP創英角ｺﾞｼｯｸUB" panose="020B0900000000000000" pitchFamily="50" charset="-128"/>
+              <a:ea typeface="HGP創英角ｺﾞｼｯｸUB" panose="020B0900000000000000" pitchFamily="50" charset="-128"/>
+            </a:endParaRPr>
+          </a:p>
+        </p:txBody>
+      </p:sp>
+      <p:cxnSp>
+        <p:nvCxnSpPr>
+          <p:cNvPr id="108" name="直線矢印コネクタ 107"/>
+          <p:cNvCxnSpPr/>
+          <p:nvPr/>
+        </p:nvCxnSpPr>
+        <p:spPr bwMode="invGray">
+          <a:xfrm flipH="1">
+            <a:off x="1842184" y="3744805"/>
+            <a:ext cx="944697" cy="3345"/>
+          </a:xfrm>
+          <a:prstGeom prst="straightConnector1">
+            <a:avLst/>
+          </a:prstGeom>
+          <a:ln w="50800">
+            <a:solidFill>
+              <a:schemeClr val="tx2">
+                <a:lumMod val="40000"/>
+                <a:lumOff val="60000"/>
+              </a:schemeClr>
+            </a:solidFill>
+            <a:headEnd type="none" w="lg" len="lg"/>
+            <a:tailEnd type="triangle" w="lg" len="lg"/>
+          </a:ln>
+        </p:spPr>
+        <p:style>
+          <a:lnRef idx="1">
+            <a:schemeClr val="accent1"/>
+          </a:lnRef>
+          <a:fillRef idx="0">
+            <a:schemeClr val="accent1"/>
+          </a:fillRef>
+          <a:effectRef idx="0">
+            <a:schemeClr val="accent1"/>
+          </a:effectRef>
+          <a:fontRef idx="minor">
+            <a:schemeClr val="tx1"/>
+          </a:fontRef>
+        </p:style>
+      </p:cxnSp>
+      <p:sp>
+        <p:nvSpPr>
+          <p:cNvPr id="121" name="正方形/長方形 120"/>
+          <p:cNvSpPr/>
+          <p:nvPr/>
+        </p:nvSpPr>
+        <p:spPr>
+          <a:xfrm>
+            <a:off x="4975733" y="1434525"/>
+            <a:ext cx="2356814" cy="2595920"/>
+          </a:xfrm>
+          <a:prstGeom prst="rect">
+            <a:avLst/>
+          </a:prstGeom>
+          <a:solidFill>
+            <a:schemeClr val="accent6">
+              <a:lumMod val="40000"/>
+              <a:lumOff val="60000"/>
+            </a:schemeClr>
+          </a:solidFill>
+          <a:ln>
             <a:noFill/>
-          </p:spPr>
-          <p:txBody>
-            <a:bodyPr wrap="square" rtlCol="0">
-              <a:spAutoFit/>
-            </a:bodyPr>
-            <a:lstStyle/>
-            <a:p>
-              <a:r>
-                <a:rPr lang="en-US" altLang="ja-JP" sz="1400" dirty="0" smtClean="0">
-                  <a:effectLst>
-                    <a:outerShdw blurRad="38100" dist="38100" dir="2700000" algn="tl">
-                      <a:srgbClr val="000000">
-                        <a:alpha val="43137"/>
-                      </a:srgbClr>
-                    </a:outerShdw>
-                  </a:effectLst>
-                </a:rPr>
-                <a:t>Authorization</a:t>
-              </a:r>
-              <a:endParaRPr kumimoji="1" lang="ja-JP" altLang="en-US" sz="1400" dirty="0">
-                <a:effectLst>
-                  <a:outerShdw blurRad="38100" dist="38100" dir="2700000" algn="tl">
-                    <a:srgbClr val="000000">
-                      <a:alpha val="43137"/>
-                    </a:srgbClr>
-                  </a:outerShdw>
-                </a:effectLst>
-              </a:endParaRPr>
-            </a:p>
-          </p:txBody>
-        </p:sp>
-        <p:sp>
-          <p:nvSpPr>
-            <p:cNvPr id="18" name="テキスト ボックス 17"/>
-            <p:cNvSpPr txBox="1"/>
-            <p:nvPr/>
-          </p:nvSpPr>
-          <p:spPr>
-            <a:xfrm>
-              <a:off x="2032000" y="601807"/>
-              <a:ext cx="3719594" cy="307777"/>
-            </a:xfrm>
-            <a:prstGeom prst="rect">
-              <a:avLst/>
-            </a:prstGeom>
+          </a:ln>
+        </p:spPr>
+        <p:style>
+          <a:lnRef idx="2">
+            <a:schemeClr val="accent1">
+              <a:shade val="50000"/>
+            </a:schemeClr>
+          </a:lnRef>
+          <a:fillRef idx="1">
+            <a:schemeClr val="accent1"/>
+          </a:fillRef>
+          <a:effectRef idx="0">
+            <a:schemeClr val="accent1"/>
+          </a:effectRef>
+          <a:fontRef idx="minor">
+            <a:schemeClr val="lt1"/>
+          </a:fontRef>
+        </p:style>
+        <p:txBody>
+          <a:bodyPr rtlCol="0" anchor="t" anchorCtr="0"/>
+          <a:lstStyle/>
+          <a:p>
+            <a:pPr algn="ctr"/>
+            <a:endParaRPr lang="en-US" altLang="ja-JP" dirty="0">
+              <a:solidFill>
+                <a:schemeClr val="tx1">
+                  <a:lumMod val="75000"/>
+                  <a:lumOff val="25000"/>
+                </a:schemeClr>
+              </a:solidFill>
+              <a:latin typeface="HGP創英角ｺﾞｼｯｸUB" panose="020B0900000000000000" pitchFamily="50" charset="-128"/>
+              <a:ea typeface="HGP創英角ｺﾞｼｯｸUB" panose="020B0900000000000000" pitchFamily="50" charset="-128"/>
+            </a:endParaRPr>
+          </a:p>
+        </p:txBody>
+      </p:sp>
+      <p:sp>
+        <p:nvSpPr>
+          <p:cNvPr id="109" name="テキスト ボックス 108"/>
+          <p:cNvSpPr txBox="1"/>
+          <p:nvPr/>
+        </p:nvSpPr>
+        <p:spPr>
+          <a:xfrm>
+            <a:off x="2173777" y="3825600"/>
+            <a:ext cx="723275" cy="461665"/>
+          </a:xfrm>
+          <a:prstGeom prst="rect">
+            <a:avLst/>
+          </a:prstGeom>
+          <a:noFill/>
+        </p:spPr>
+        <p:txBody>
+          <a:bodyPr wrap="none" rtlCol="0">
+            <a:spAutoFit/>
+          </a:bodyPr>
+          <a:lstStyle/>
+          <a:p>
+            <a:r>
+              <a:rPr kumimoji="1" lang="ja-JP" altLang="en-US" sz="2400" dirty="0" smtClean="0">
+                <a:solidFill>
+                  <a:schemeClr val="tx1">
+                    <a:lumMod val="65000"/>
+                    <a:lumOff val="35000"/>
+                  </a:schemeClr>
+                </a:solidFill>
+                <a:latin typeface="HGP創英角ｺﾞｼｯｸUB" panose="020B0900000000000000" pitchFamily="50" charset="-128"/>
+                <a:ea typeface="HGP創英角ｺﾞｼｯｸUB" panose="020B0900000000000000" pitchFamily="50" charset="-128"/>
+              </a:rPr>
+              <a:t>（６）</a:t>
+            </a:r>
+            <a:endParaRPr kumimoji="1" lang="ja-JP" altLang="en-US" sz="2400" dirty="0">
+              <a:solidFill>
+                <a:schemeClr val="tx1">
+                  <a:lumMod val="65000"/>
+                  <a:lumOff val="35000"/>
+                </a:schemeClr>
+              </a:solidFill>
+              <a:latin typeface="HGP創英角ｺﾞｼｯｸUB" panose="020B0900000000000000" pitchFamily="50" charset="-128"/>
+              <a:ea typeface="HGP創英角ｺﾞｼｯｸUB" panose="020B0900000000000000" pitchFamily="50" charset="-128"/>
+            </a:endParaRPr>
+          </a:p>
+        </p:txBody>
+      </p:sp>
+      <p:sp>
+        <p:nvSpPr>
+          <p:cNvPr id="135" name="正方形/長方形 134"/>
+          <p:cNvSpPr/>
+          <p:nvPr/>
+        </p:nvSpPr>
+        <p:spPr>
+          <a:xfrm>
+            <a:off x="5041133" y="1366632"/>
+            <a:ext cx="2356814" cy="2595920"/>
+          </a:xfrm>
+          <a:prstGeom prst="rect">
+            <a:avLst/>
+          </a:prstGeom>
+          <a:solidFill>
+            <a:schemeClr val="accent6">
+              <a:lumMod val="40000"/>
+              <a:lumOff val="60000"/>
+            </a:schemeClr>
+          </a:solidFill>
+          <a:ln>
             <a:noFill/>
-          </p:spPr>
-          <p:txBody>
-            <a:bodyPr wrap="square" rtlCol="0">
-              <a:spAutoFit/>
-            </a:bodyPr>
-            <a:lstStyle/>
-            <a:p>
-              <a:r>
-                <a:rPr lang="ja-JP" altLang="en-US" sz="1400" dirty="0" smtClean="0">
-                  <a:effectLst>
-                    <a:outerShdw blurRad="38100" dist="38100" dir="2700000" algn="tl">
-                      <a:srgbClr val="000000">
-                        <a:alpha val="43137"/>
-                      </a:srgbClr>
-                    </a:outerShdw>
-                  </a:effectLst>
-                </a:rPr>
-                <a:t> </a:t>
-              </a:r>
-              <a:r>
-                <a:rPr lang="en-US" altLang="ja-JP" sz="1400" dirty="0" smtClean="0">
-                  <a:effectLst>
-                    <a:outerShdw blurRad="38100" dist="38100" dir="2700000" algn="tl">
-                      <a:srgbClr val="000000">
-                        <a:alpha val="43137"/>
-                      </a:srgbClr>
-                    </a:outerShdw>
-                  </a:effectLst>
-                </a:rPr>
-                <a:t>Authentication</a:t>
-              </a:r>
-              <a:endParaRPr kumimoji="1" lang="ja-JP" altLang="en-US" sz="1400" dirty="0">
-                <a:effectLst>
-                  <a:outerShdw blurRad="38100" dist="38100" dir="2700000" algn="tl">
-                    <a:srgbClr val="000000">
-                      <a:alpha val="43137"/>
-                    </a:srgbClr>
-                  </a:outerShdw>
-                </a:effectLst>
-              </a:endParaRPr>
-            </a:p>
-          </p:txBody>
-        </p:sp>
-        <p:sp>
-          <p:nvSpPr>
-            <p:cNvPr id="20" name="正方形/長方形 19"/>
-            <p:cNvSpPr/>
-            <p:nvPr/>
-          </p:nvSpPr>
-          <p:spPr>
-            <a:xfrm>
-              <a:off x="2571472" y="4877832"/>
-              <a:ext cx="1272369" cy="810987"/>
-            </a:xfrm>
-            <a:prstGeom prst="rect">
-              <a:avLst/>
-            </a:prstGeom>
-            <a:ln/>
-          </p:spPr>
-          <p:style>
-            <a:lnRef idx="0">
-              <a:schemeClr val="accent2"/>
-            </a:lnRef>
-            <a:fillRef idx="3">
-              <a:schemeClr val="accent2"/>
-            </a:fillRef>
-            <a:effectRef idx="3">
-              <a:schemeClr val="accent2"/>
-            </a:effectRef>
-            <a:fontRef idx="minor">
-              <a:schemeClr val="lt1"/>
-            </a:fontRef>
-          </p:style>
-          <p:txBody>
-            <a:bodyPr rtlCol="0" anchor="ctr"/>
-            <a:lstStyle/>
-            <a:p>
-              <a:pPr algn="ctr"/>
-              <a:r>
-                <a:rPr lang="en-US" altLang="ja-JP" sz="1400" dirty="0" smtClean="0">
-                  <a:solidFill>
-                    <a:schemeClr val="tx1"/>
-                  </a:solidFill>
-                </a:rPr>
-                <a:t>Access Authorization Filter</a:t>
-              </a:r>
-            </a:p>
-          </p:txBody>
-        </p:sp>
-        <p:sp>
-          <p:nvSpPr>
-            <p:cNvPr id="21" name="正方形/長方形 20"/>
-            <p:cNvSpPr/>
-            <p:nvPr/>
-          </p:nvSpPr>
-          <p:spPr>
-            <a:xfrm>
-              <a:off x="5255431" y="4877832"/>
-              <a:ext cx="1272369" cy="810987"/>
-            </a:xfrm>
-            <a:prstGeom prst="rect">
-              <a:avLst/>
-            </a:prstGeom>
-            <a:ln/>
-          </p:spPr>
-          <p:style>
-            <a:lnRef idx="0">
-              <a:schemeClr val="accent2"/>
-            </a:lnRef>
-            <a:fillRef idx="3">
-              <a:schemeClr val="accent2"/>
-            </a:fillRef>
-            <a:effectRef idx="3">
-              <a:schemeClr val="accent2"/>
-            </a:effectRef>
-            <a:fontRef idx="minor">
-              <a:schemeClr val="lt1"/>
-            </a:fontRef>
-          </p:style>
-          <p:txBody>
-            <a:bodyPr rtlCol="0" anchor="ctr"/>
-            <a:lstStyle/>
-            <a:p>
-              <a:pPr algn="ctr"/>
-              <a:r>
-                <a:rPr lang="en-US" altLang="ja-JP" sz="1400" dirty="0" smtClean="0">
-                  <a:solidFill>
-                    <a:schemeClr val="tx1"/>
-                  </a:solidFill>
-                </a:rPr>
-                <a:t>Access Authorization Manager</a:t>
-              </a:r>
-            </a:p>
-          </p:txBody>
-        </p:sp>
-        <p:cxnSp>
-          <p:nvCxnSpPr>
-            <p:cNvPr id="23" name="直線矢印コネクタ 22"/>
-            <p:cNvCxnSpPr>
-              <a:stCxn id="9" idx="3"/>
-              <a:endCxn id="13" idx="1"/>
-            </p:cNvCxnSpPr>
-            <p:nvPr/>
-          </p:nvCxnSpPr>
-          <p:spPr>
-            <a:xfrm>
-              <a:off x="1416957" y="1613809"/>
-              <a:ext cx="1453243" cy="0"/>
-            </a:xfrm>
-            <a:prstGeom prst="straightConnector1">
-              <a:avLst/>
-            </a:prstGeom>
-            <a:ln w="9525">
+          </a:ln>
+        </p:spPr>
+        <p:style>
+          <a:lnRef idx="2">
+            <a:schemeClr val="accent1">
+              <a:shade val="50000"/>
+            </a:schemeClr>
+          </a:lnRef>
+          <a:fillRef idx="1">
+            <a:schemeClr val="accent1"/>
+          </a:fillRef>
+          <a:effectRef idx="0">
+            <a:schemeClr val="accent1"/>
+          </a:effectRef>
+          <a:fontRef idx="minor">
+            <a:schemeClr val="lt1"/>
+          </a:fontRef>
+        </p:style>
+        <p:txBody>
+          <a:bodyPr rtlCol="0" anchor="t" anchorCtr="0"/>
+          <a:lstStyle/>
+          <a:p>
+            <a:pPr algn="ctr"/>
+            <a:endParaRPr lang="en-US" altLang="ja-JP" dirty="0">
               <a:solidFill>
-                <a:schemeClr val="tx1"/>
+                <a:schemeClr val="tx1">
+                  <a:lumMod val="75000"/>
+                  <a:lumOff val="25000"/>
+                </a:schemeClr>
               </a:solidFill>
-              <a:tailEnd type="arrow"/>
-            </a:ln>
-          </p:spPr>
-          <p:style>
-            <a:lnRef idx="2">
-              <a:schemeClr val="accent1"/>
-            </a:lnRef>
-            <a:fillRef idx="0">
-              <a:schemeClr val="accent1"/>
-            </a:fillRef>
-            <a:effectRef idx="1">
-              <a:schemeClr val="accent1"/>
-            </a:effectRef>
-            <a:fontRef idx="minor">
-              <a:schemeClr val="tx1"/>
-            </a:fontRef>
-          </p:style>
-        </p:cxnSp>
-        <p:sp>
-          <p:nvSpPr>
-            <p:cNvPr id="24" name="テキスト ボックス 23"/>
-            <p:cNvSpPr txBox="1"/>
-            <p:nvPr/>
-          </p:nvSpPr>
-          <p:spPr>
-            <a:xfrm>
-              <a:off x="2032000" y="1215187"/>
-              <a:ext cx="1175657" cy="430887"/>
-            </a:xfrm>
-            <a:prstGeom prst="rect">
-              <a:avLst/>
-            </a:prstGeom>
+              <a:latin typeface="HGP創英角ｺﾞｼｯｸUB" panose="020B0900000000000000" pitchFamily="50" charset="-128"/>
+              <a:ea typeface="HGP創英角ｺﾞｼｯｸUB" panose="020B0900000000000000" pitchFamily="50" charset="-128"/>
+            </a:endParaRPr>
+          </a:p>
+        </p:txBody>
+      </p:sp>
+      <p:sp>
+        <p:nvSpPr>
+          <p:cNvPr id="136" name="正方形/長方形 135"/>
+          <p:cNvSpPr/>
+          <p:nvPr/>
+        </p:nvSpPr>
+        <p:spPr>
+          <a:xfrm>
+            <a:off x="4890903" y="1519090"/>
+            <a:ext cx="2356814" cy="2595920"/>
+          </a:xfrm>
+          <a:prstGeom prst="rect">
+            <a:avLst/>
+          </a:prstGeom>
+          <a:solidFill>
+            <a:schemeClr val="accent6">
+              <a:lumMod val="40000"/>
+              <a:lumOff val="60000"/>
+            </a:schemeClr>
+          </a:solidFill>
+          <a:ln>
             <a:noFill/>
-          </p:spPr>
-          <p:txBody>
-            <a:bodyPr wrap="square" rtlCol="0">
-              <a:spAutoFit/>
-            </a:bodyPr>
-            <a:lstStyle/>
-            <a:p>
-              <a:r>
-                <a:rPr kumimoji="1" lang="en-US" altLang="ja-JP" sz="1100" dirty="0" smtClean="0"/>
-                <a:t>Request</a:t>
-              </a:r>
-            </a:p>
-            <a:p>
-              <a:r>
-                <a:rPr kumimoji="1" lang="en-US" altLang="ja-JP" sz="1100" dirty="0" smtClean="0"/>
-                <a:t>(Login)</a:t>
-              </a:r>
-              <a:endParaRPr kumimoji="1" lang="ja-JP" altLang="en-US" sz="1100" dirty="0"/>
-            </a:p>
-          </p:txBody>
-        </p:sp>
-        <p:cxnSp>
-          <p:nvCxnSpPr>
-            <p:cNvPr id="29" name="直線矢印コネクタ 28"/>
-            <p:cNvCxnSpPr>
-              <a:stCxn id="13" idx="3"/>
-              <a:endCxn id="14" idx="1"/>
-            </p:cNvCxnSpPr>
-            <p:nvPr/>
-          </p:nvCxnSpPr>
-          <p:spPr>
-            <a:xfrm flipV="1">
-              <a:off x="4142569" y="1612901"/>
-              <a:ext cx="1114046" cy="908"/>
-            </a:xfrm>
-            <a:prstGeom prst="straightConnector1">
-              <a:avLst/>
-            </a:prstGeom>
-            <a:ln w="9525">
+          </a:ln>
+        </p:spPr>
+        <p:style>
+          <a:lnRef idx="2">
+            <a:schemeClr val="accent1">
+              <a:shade val="50000"/>
+            </a:schemeClr>
+          </a:lnRef>
+          <a:fillRef idx="1">
+            <a:schemeClr val="accent1"/>
+          </a:fillRef>
+          <a:effectRef idx="0">
+            <a:schemeClr val="accent1"/>
+          </a:effectRef>
+          <a:fontRef idx="minor">
+            <a:schemeClr val="lt1"/>
+          </a:fontRef>
+        </p:style>
+        <p:txBody>
+          <a:bodyPr rtlCol="0" anchor="t" anchorCtr="0"/>
+          <a:lstStyle/>
+          <a:p>
+            <a:pPr algn="ctr"/>
+            <a:r>
+              <a:rPr lang="en-US" altLang="ja-JP" sz="1100" dirty="0" smtClean="0">
+                <a:solidFill>
+                  <a:schemeClr val="tx1">
+                    <a:lumMod val="75000"/>
+                    <a:lumOff val="25000"/>
+                  </a:schemeClr>
+                </a:solidFill>
+                <a:latin typeface="HGP創英角ｺﾞｼｯｸUB" panose="020B0900000000000000" pitchFamily="50" charset="-128"/>
+                <a:ea typeface="HGP創英角ｺﾞｼｯｸUB" panose="020B0900000000000000" pitchFamily="50" charset="-128"/>
+              </a:rPr>
+              <a:t>&lt;interface&gt;</a:t>
+            </a:r>
+          </a:p>
+          <a:p>
+            <a:pPr algn="ctr"/>
+            <a:r>
+              <a:rPr lang="en-US" altLang="ja-JP" dirty="0" err="1" smtClean="0">
+                <a:solidFill>
+                  <a:schemeClr val="tx1">
+                    <a:lumMod val="75000"/>
+                    <a:lumOff val="25000"/>
+                  </a:schemeClr>
+                </a:solidFill>
+                <a:latin typeface="HGP創英角ｺﾞｼｯｸUB" panose="020B0900000000000000" pitchFamily="50" charset="-128"/>
+                <a:ea typeface="HGP創英角ｺﾞｼｯｸUB" panose="020B0900000000000000" pitchFamily="50" charset="-128"/>
+              </a:rPr>
+              <a:t>SecurityFilterChain</a:t>
+            </a:r>
+            <a:endParaRPr lang="en-US" altLang="ja-JP" dirty="0">
               <a:solidFill>
-                <a:schemeClr val="tx1"/>
+                <a:schemeClr val="tx1">
+                  <a:lumMod val="75000"/>
+                  <a:lumOff val="25000"/>
+                </a:schemeClr>
               </a:solidFill>
-              <a:tailEnd type="arrow"/>
-            </a:ln>
-          </p:spPr>
-          <p:style>
-            <a:lnRef idx="2">
-              <a:schemeClr val="accent1"/>
-            </a:lnRef>
-            <a:fillRef idx="0">
-              <a:schemeClr val="accent1"/>
-            </a:fillRef>
-            <a:effectRef idx="1">
-              <a:schemeClr val="accent1"/>
-            </a:effectRef>
-            <a:fontRef idx="minor">
-              <a:schemeClr val="tx1"/>
-            </a:fontRef>
-          </p:style>
-        </p:cxnSp>
-        <p:cxnSp>
-          <p:nvCxnSpPr>
-            <p:cNvPr id="33" name="カギ線コネクタ 32"/>
-            <p:cNvCxnSpPr>
-              <a:stCxn id="13" idx="2"/>
-              <a:endCxn id="20" idx="0"/>
-            </p:cNvCxnSpPr>
-            <p:nvPr/>
-          </p:nvCxnSpPr>
-          <p:spPr>
-            <a:xfrm rot="5400000">
-              <a:off x="1927756" y="3299203"/>
-              <a:ext cx="2858530" cy="298728"/>
-            </a:xfrm>
-            <a:prstGeom prst="bentConnector3">
-              <a:avLst>
-                <a:gd name="adj1" fmla="val 93540"/>
-              </a:avLst>
-            </a:prstGeom>
-            <a:ln w="9525">
+              <a:latin typeface="HGP創英角ｺﾞｼｯｸUB" panose="020B0900000000000000" pitchFamily="50" charset="-128"/>
+              <a:ea typeface="HGP創英角ｺﾞｼｯｸUB" panose="020B0900000000000000" pitchFamily="50" charset="-128"/>
+            </a:endParaRPr>
+          </a:p>
+        </p:txBody>
+      </p:sp>
+      <p:sp>
+        <p:nvSpPr>
+          <p:cNvPr id="137" name="正方形/長方形 136"/>
+          <p:cNvSpPr/>
+          <p:nvPr/>
+        </p:nvSpPr>
+        <p:spPr>
+          <a:xfrm>
+            <a:off x="5176639" y="2138585"/>
+            <a:ext cx="1799279" cy="444727"/>
+          </a:xfrm>
+          <a:prstGeom prst="rect">
+            <a:avLst/>
+          </a:prstGeom>
+          <a:solidFill>
+            <a:schemeClr val="accent6">
+              <a:lumMod val="60000"/>
+              <a:lumOff val="40000"/>
+            </a:schemeClr>
+          </a:solidFill>
+          <a:ln>
+            <a:noFill/>
+          </a:ln>
+        </p:spPr>
+        <p:style>
+          <a:lnRef idx="2">
+            <a:schemeClr val="accent1">
+              <a:shade val="50000"/>
+            </a:schemeClr>
+          </a:lnRef>
+          <a:fillRef idx="1">
+            <a:schemeClr val="accent1"/>
+          </a:fillRef>
+          <a:effectRef idx="0">
+            <a:schemeClr val="accent1"/>
+          </a:effectRef>
+          <a:fontRef idx="minor">
+            <a:schemeClr val="lt1"/>
+          </a:fontRef>
+        </p:style>
+        <p:txBody>
+          <a:bodyPr rtlCol="0" anchor="ctr"/>
+          <a:lstStyle/>
+          <a:p>
+            <a:pPr algn="ctr"/>
+            <a:r>
+              <a:rPr lang="en-US" altLang="ja-JP" dirty="0" smtClean="0">
+                <a:solidFill>
+                  <a:schemeClr val="tx1">
+                    <a:lumMod val="75000"/>
+                    <a:lumOff val="25000"/>
+                  </a:schemeClr>
+                </a:solidFill>
+                <a:latin typeface="HGP創英角ｺﾞｼｯｸUB" panose="020B0900000000000000" pitchFamily="50" charset="-128"/>
+                <a:ea typeface="HGP創英角ｺﾞｼｯｸUB" panose="020B0900000000000000" pitchFamily="50" charset="-128"/>
+              </a:rPr>
+              <a:t>Security</a:t>
+            </a:r>
+            <a:r>
+              <a:rPr lang="ja-JP" altLang="en-US" dirty="0">
+                <a:solidFill>
+                  <a:schemeClr val="tx1">
+                    <a:lumMod val="75000"/>
+                    <a:lumOff val="25000"/>
+                  </a:schemeClr>
+                </a:solidFill>
+                <a:latin typeface="HGP創英角ｺﾞｼｯｸUB" panose="020B0900000000000000" pitchFamily="50" charset="-128"/>
+                <a:ea typeface="HGP創英角ｺﾞｼｯｸUB" panose="020B0900000000000000" pitchFamily="50" charset="-128"/>
+              </a:rPr>
+              <a:t> </a:t>
+            </a:r>
+            <a:r>
+              <a:rPr lang="en-US" altLang="ja-JP" dirty="0" smtClean="0">
+                <a:solidFill>
+                  <a:schemeClr val="tx1">
+                    <a:lumMod val="75000"/>
+                    <a:lumOff val="25000"/>
+                  </a:schemeClr>
+                </a:solidFill>
+                <a:latin typeface="HGP創英角ｺﾞｼｯｸUB" panose="020B0900000000000000" pitchFamily="50" charset="-128"/>
+                <a:ea typeface="HGP創英角ｺﾞｼｯｸUB" panose="020B0900000000000000" pitchFamily="50" charset="-128"/>
+              </a:rPr>
+              <a:t>Filter</a:t>
+            </a:r>
+            <a:r>
+              <a:rPr lang="ja-JP" altLang="en-US" dirty="0" smtClean="0">
+                <a:solidFill>
+                  <a:schemeClr val="tx1">
+                    <a:lumMod val="75000"/>
+                    <a:lumOff val="25000"/>
+                  </a:schemeClr>
+                </a:solidFill>
+                <a:latin typeface="HGP創英角ｺﾞｼｯｸUB" panose="020B0900000000000000" pitchFamily="50" charset="-128"/>
+                <a:ea typeface="HGP創英角ｺﾞｼｯｸUB" panose="020B0900000000000000" pitchFamily="50" charset="-128"/>
+              </a:rPr>
+              <a:t> </a:t>
+            </a:r>
+            <a:r>
+              <a:rPr lang="en-US" altLang="ja-JP" dirty="0" smtClean="0">
+                <a:solidFill>
+                  <a:schemeClr val="tx1">
+                    <a:lumMod val="75000"/>
+                    <a:lumOff val="25000"/>
+                  </a:schemeClr>
+                </a:solidFill>
+                <a:latin typeface="HGP創英角ｺﾞｼｯｸUB" panose="020B0900000000000000" pitchFamily="50" charset="-128"/>
+                <a:ea typeface="HGP創英角ｺﾞｼｯｸUB" panose="020B0900000000000000" pitchFamily="50" charset="-128"/>
+              </a:rPr>
+              <a:t>1</a:t>
+            </a:r>
+            <a:endParaRPr lang="en-US" altLang="ja-JP" dirty="0">
               <a:solidFill>
-                <a:schemeClr val="tx1"/>
+                <a:schemeClr val="tx1">
+                  <a:lumMod val="75000"/>
+                  <a:lumOff val="25000"/>
+                </a:schemeClr>
               </a:solidFill>
-              <a:tailEnd type="arrow"/>
-            </a:ln>
-          </p:spPr>
-          <p:style>
-            <a:lnRef idx="2">
-              <a:schemeClr val="accent1"/>
-            </a:lnRef>
-            <a:fillRef idx="0">
-              <a:schemeClr val="accent1"/>
-            </a:fillRef>
-            <a:effectRef idx="1">
-              <a:schemeClr val="accent1"/>
-            </a:effectRef>
-            <a:fontRef idx="minor">
-              <a:schemeClr val="tx1"/>
-            </a:fontRef>
-          </p:style>
-        </p:cxnSp>
-        <p:sp>
-          <p:nvSpPr>
-            <p:cNvPr id="17" name="正方形/長方形 16"/>
-            <p:cNvSpPr/>
-            <p:nvPr/>
-          </p:nvSpPr>
-          <p:spPr>
-            <a:xfrm>
-              <a:off x="2032001" y="3771900"/>
-              <a:ext cx="4709330" cy="368300"/>
-            </a:xfrm>
-            <a:prstGeom prst="rect">
-              <a:avLst/>
-            </a:prstGeom>
-            <a:ln/>
-          </p:spPr>
-          <p:style>
-            <a:lnRef idx="1">
-              <a:schemeClr val="accent3"/>
-            </a:lnRef>
-            <a:fillRef idx="2">
-              <a:schemeClr val="accent3"/>
-            </a:fillRef>
-            <a:effectRef idx="1">
-              <a:schemeClr val="accent3"/>
-            </a:effectRef>
-            <a:fontRef idx="minor">
-              <a:schemeClr val="dk1"/>
-            </a:fontRef>
-          </p:style>
-          <p:txBody>
-            <a:bodyPr rtlCol="0" anchor="ctr"/>
-            <a:lstStyle/>
-            <a:p>
-              <a:pPr algn="ctr"/>
-              <a:r>
-                <a:rPr lang="en-US" altLang="ja-JP" sz="1400" dirty="0" smtClean="0">
-                  <a:solidFill>
-                    <a:schemeClr val="tx1"/>
-                  </a:solidFill>
-                </a:rPr>
-                <a:t>Spring Security Filter Chain</a:t>
-              </a:r>
-              <a:endParaRPr kumimoji="1" lang="ja-JP" altLang="en-US" sz="1400" dirty="0">
+              <a:latin typeface="HGP創英角ｺﾞｼｯｸUB" panose="020B0900000000000000" pitchFamily="50" charset="-128"/>
+              <a:ea typeface="HGP創英角ｺﾞｼｯｸUB" panose="020B0900000000000000" pitchFamily="50" charset="-128"/>
+            </a:endParaRPr>
+          </a:p>
+        </p:txBody>
+      </p:sp>
+      <p:sp>
+        <p:nvSpPr>
+          <p:cNvPr id="138" name="正方形/長方形 137"/>
+          <p:cNvSpPr/>
+          <p:nvPr/>
+        </p:nvSpPr>
+        <p:spPr>
+          <a:xfrm>
+            <a:off x="5176639" y="2831128"/>
+            <a:ext cx="1799279" cy="444727"/>
+          </a:xfrm>
+          <a:prstGeom prst="rect">
+            <a:avLst/>
+          </a:prstGeom>
+          <a:solidFill>
+            <a:schemeClr val="accent6">
+              <a:lumMod val="60000"/>
+              <a:lumOff val="40000"/>
+            </a:schemeClr>
+          </a:solidFill>
+          <a:ln>
+            <a:noFill/>
+          </a:ln>
+        </p:spPr>
+        <p:style>
+          <a:lnRef idx="2">
+            <a:schemeClr val="accent1">
+              <a:shade val="50000"/>
+            </a:schemeClr>
+          </a:lnRef>
+          <a:fillRef idx="1">
+            <a:schemeClr val="accent1"/>
+          </a:fillRef>
+          <a:effectRef idx="0">
+            <a:schemeClr val="accent1"/>
+          </a:effectRef>
+          <a:fontRef idx="minor">
+            <a:schemeClr val="lt1"/>
+          </a:fontRef>
+        </p:style>
+        <p:txBody>
+          <a:bodyPr rtlCol="0" anchor="ctr"/>
+          <a:lstStyle/>
+          <a:p>
+            <a:pPr algn="ctr"/>
+            <a:r>
+              <a:rPr lang="ja-JP" altLang="en-US" dirty="0" smtClean="0">
                 <a:solidFill>
-                  <a:schemeClr val="tx1"/>
+                  <a:schemeClr val="tx1">
+                    <a:lumMod val="75000"/>
+                    <a:lumOff val="25000"/>
+                  </a:schemeClr>
                 </a:solidFill>
-              </a:endParaRPr>
-            </a:p>
-          </p:txBody>
-        </p:sp>
-        <p:sp>
-          <p:nvSpPr>
-            <p:cNvPr id="37" name="テキスト ボックス 36"/>
-            <p:cNvSpPr txBox="1"/>
-            <p:nvPr/>
-          </p:nvSpPr>
-          <p:spPr>
-            <a:xfrm>
-              <a:off x="4142569" y="1366680"/>
-              <a:ext cx="1175657" cy="261610"/>
-            </a:xfrm>
-            <a:prstGeom prst="rect">
-              <a:avLst/>
-            </a:prstGeom>
+                <a:latin typeface="HGP創英角ｺﾞｼｯｸUB" panose="020B0900000000000000" pitchFamily="50" charset="-128"/>
+                <a:ea typeface="HGP創英角ｺﾞｼｯｸUB" panose="020B0900000000000000" pitchFamily="50" charset="-128"/>
+              </a:rPr>
+              <a:t>・・・</a:t>
+            </a:r>
+            <a:endParaRPr lang="en-US" altLang="ja-JP" dirty="0">
+              <a:solidFill>
+                <a:schemeClr val="tx1">
+                  <a:lumMod val="75000"/>
+                  <a:lumOff val="25000"/>
+                </a:schemeClr>
+              </a:solidFill>
+              <a:latin typeface="HGP創英角ｺﾞｼｯｸUB" panose="020B0900000000000000" pitchFamily="50" charset="-128"/>
+              <a:ea typeface="HGP創英角ｺﾞｼｯｸUB" panose="020B0900000000000000" pitchFamily="50" charset="-128"/>
+            </a:endParaRPr>
+          </a:p>
+        </p:txBody>
+      </p:sp>
+      <p:sp>
+        <p:nvSpPr>
+          <p:cNvPr id="139" name="正方形/長方形 138"/>
+          <p:cNvSpPr/>
+          <p:nvPr/>
+        </p:nvSpPr>
+        <p:spPr>
+          <a:xfrm>
+            <a:off x="5176639" y="3525787"/>
+            <a:ext cx="1797903" cy="444727"/>
+          </a:xfrm>
+          <a:prstGeom prst="rect">
+            <a:avLst/>
+          </a:prstGeom>
+          <a:solidFill>
+            <a:schemeClr val="accent6">
+              <a:lumMod val="60000"/>
+              <a:lumOff val="40000"/>
+            </a:schemeClr>
+          </a:solidFill>
+          <a:ln>
             <a:noFill/>
-          </p:spPr>
-          <p:txBody>
-            <a:bodyPr wrap="square" rtlCol="0">
-              <a:spAutoFit/>
-            </a:bodyPr>
-            <a:lstStyle/>
-            <a:p>
-              <a:r>
-                <a:rPr kumimoji="1" lang="en-US" altLang="ja-JP" sz="1100" dirty="0" smtClean="0"/>
-                <a:t>Authentication</a:t>
-              </a:r>
-              <a:endParaRPr kumimoji="1" lang="ja-JP" altLang="en-US" sz="1100" dirty="0"/>
-            </a:p>
-          </p:txBody>
-        </p:sp>
-        <p:cxnSp>
-          <p:nvCxnSpPr>
-            <p:cNvPr id="39" name="カギ線コネクタ 38"/>
-            <p:cNvCxnSpPr>
-              <a:stCxn id="13" idx="2"/>
-              <a:endCxn id="9" idx="2"/>
-            </p:cNvCxnSpPr>
-            <p:nvPr/>
-          </p:nvCxnSpPr>
-          <p:spPr>
-            <a:xfrm rot="5400000" flipH="1">
-              <a:off x="2078857" y="591774"/>
-              <a:ext cx="177800" cy="2677256"/>
-            </a:xfrm>
-            <a:prstGeom prst="bentConnector3">
-              <a:avLst>
-                <a:gd name="adj1" fmla="val -128571"/>
-              </a:avLst>
-            </a:prstGeom>
-            <a:ln w="9525">
+          </a:ln>
+        </p:spPr>
+        <p:style>
+          <a:lnRef idx="2">
+            <a:schemeClr val="accent1">
+              <a:shade val="50000"/>
+            </a:schemeClr>
+          </a:lnRef>
+          <a:fillRef idx="1">
+            <a:schemeClr val="accent1"/>
+          </a:fillRef>
+          <a:effectRef idx="0">
+            <a:schemeClr val="accent1"/>
+          </a:effectRef>
+          <a:fontRef idx="minor">
+            <a:schemeClr val="lt1"/>
+          </a:fontRef>
+        </p:style>
+        <p:txBody>
+          <a:bodyPr rtlCol="0" anchor="ctr"/>
+          <a:lstStyle/>
+          <a:p>
+            <a:pPr algn="ctr"/>
+            <a:r>
+              <a:rPr lang="en-US" altLang="ja-JP" dirty="0" smtClean="0">
+                <a:solidFill>
+                  <a:schemeClr val="tx1">
+                    <a:lumMod val="75000"/>
+                    <a:lumOff val="25000"/>
+                  </a:schemeClr>
+                </a:solidFill>
+                <a:latin typeface="HGP創英角ｺﾞｼｯｸUB" panose="020B0900000000000000" pitchFamily="50" charset="-128"/>
+                <a:ea typeface="HGP創英角ｺﾞｼｯｸUB" panose="020B0900000000000000" pitchFamily="50" charset="-128"/>
+              </a:rPr>
+              <a:t>Security Filter</a:t>
+            </a:r>
+            <a:r>
+              <a:rPr lang="ja-JP" altLang="en-US" dirty="0" smtClean="0">
+                <a:solidFill>
+                  <a:schemeClr val="tx1">
+                    <a:lumMod val="75000"/>
+                    <a:lumOff val="25000"/>
+                  </a:schemeClr>
+                </a:solidFill>
+                <a:latin typeface="HGP創英角ｺﾞｼｯｸUB" panose="020B0900000000000000" pitchFamily="50" charset="-128"/>
+                <a:ea typeface="HGP創英角ｺﾞｼｯｸUB" panose="020B0900000000000000" pitchFamily="50" charset="-128"/>
+              </a:rPr>
+              <a:t> </a:t>
+            </a:r>
+            <a:r>
+              <a:rPr lang="en-US" altLang="ja-JP" dirty="0" smtClean="0">
+                <a:solidFill>
+                  <a:schemeClr val="tx1">
+                    <a:lumMod val="75000"/>
+                    <a:lumOff val="25000"/>
+                  </a:schemeClr>
+                </a:solidFill>
+                <a:latin typeface="HGP創英角ｺﾞｼｯｸUB" panose="020B0900000000000000" pitchFamily="50" charset="-128"/>
+                <a:ea typeface="HGP創英角ｺﾞｼｯｸUB" panose="020B0900000000000000" pitchFamily="50" charset="-128"/>
+              </a:rPr>
+              <a:t>N</a:t>
+            </a:r>
+            <a:endParaRPr lang="en-US" altLang="ja-JP" dirty="0">
               <a:solidFill>
-                <a:schemeClr val="tx1"/>
+                <a:schemeClr val="tx1">
+                  <a:lumMod val="75000"/>
+                  <a:lumOff val="25000"/>
+                </a:schemeClr>
               </a:solidFill>
-              <a:tailEnd type="arrow"/>
-            </a:ln>
-          </p:spPr>
-          <p:style>
-            <a:lnRef idx="2">
-              <a:schemeClr val="accent1"/>
-            </a:lnRef>
-            <a:fillRef idx="0">
-              <a:schemeClr val="accent1"/>
-            </a:fillRef>
-            <a:effectRef idx="1">
-              <a:schemeClr val="accent1"/>
-            </a:effectRef>
-            <a:fontRef idx="minor">
-              <a:schemeClr val="tx1"/>
-            </a:fontRef>
-          </p:style>
-        </p:cxnSp>
-        <p:sp>
-          <p:nvSpPr>
-            <p:cNvPr id="40" name="テキスト ボックス 39"/>
-            <p:cNvSpPr txBox="1"/>
-            <p:nvPr/>
-          </p:nvSpPr>
-          <p:spPr>
-            <a:xfrm>
-              <a:off x="2019300" y="1825692"/>
-              <a:ext cx="1175657" cy="430887"/>
-            </a:xfrm>
-            <a:prstGeom prst="rect">
-              <a:avLst/>
-            </a:prstGeom>
-            <a:noFill/>
-          </p:spPr>
-          <p:txBody>
-            <a:bodyPr wrap="square" rtlCol="0">
-              <a:spAutoFit/>
-            </a:bodyPr>
-            <a:lstStyle/>
-            <a:p>
-              <a:r>
-                <a:rPr lang="en-US" altLang="ja-JP" sz="1100" dirty="0" smtClean="0"/>
-                <a:t>Response</a:t>
-              </a:r>
-              <a:endParaRPr lang="ja-JP" altLang="en-US" sz="1100" dirty="0" smtClean="0"/>
-            </a:p>
-            <a:p>
-              <a:r>
-                <a:rPr lang="en-US" altLang="ja-JP" sz="1100" dirty="0" smtClean="0"/>
-                <a:t>(Redirected)</a:t>
-              </a:r>
-              <a:endParaRPr lang="ja-JP" altLang="en-US" sz="1100" dirty="0" smtClean="0"/>
-            </a:p>
-          </p:txBody>
-        </p:sp>
-        <p:cxnSp>
-          <p:nvCxnSpPr>
-            <p:cNvPr id="42" name="直線矢印コネクタ 41"/>
-            <p:cNvCxnSpPr>
-              <a:stCxn id="14" idx="2"/>
-              <a:endCxn id="15" idx="0"/>
-            </p:cNvCxnSpPr>
-            <p:nvPr/>
-          </p:nvCxnSpPr>
-          <p:spPr>
-            <a:xfrm>
-              <a:off x="5892800" y="2018394"/>
-              <a:ext cx="0" cy="536119"/>
-            </a:xfrm>
-            <a:prstGeom prst="straightConnector1">
-              <a:avLst/>
-            </a:prstGeom>
-            <a:ln w="9525">
+              <a:latin typeface="HGP創英角ｺﾞｼｯｸUB" panose="020B0900000000000000" pitchFamily="50" charset="-128"/>
+              <a:ea typeface="HGP創英角ｺﾞｼｯｸUB" panose="020B0900000000000000" pitchFamily="50" charset="-128"/>
+            </a:endParaRPr>
+          </a:p>
+        </p:txBody>
+      </p:sp>
+      <p:cxnSp>
+        <p:nvCxnSpPr>
+          <p:cNvPr id="140" name="直線矢印コネクタ 139"/>
+          <p:cNvCxnSpPr>
+            <a:stCxn id="137" idx="2"/>
+            <a:endCxn id="138" idx="0"/>
+          </p:cNvCxnSpPr>
+          <p:nvPr/>
+        </p:nvCxnSpPr>
+        <p:spPr bwMode="invGray">
+          <a:xfrm>
+            <a:off x="6076279" y="2583312"/>
+            <a:ext cx="0" cy="247816"/>
+          </a:xfrm>
+          <a:prstGeom prst="straightConnector1">
+            <a:avLst/>
+          </a:prstGeom>
+          <a:ln w="50800">
+            <a:solidFill>
+              <a:schemeClr val="tx2">
+                <a:lumMod val="40000"/>
+                <a:lumOff val="60000"/>
+              </a:schemeClr>
+            </a:solidFill>
+            <a:headEnd type="triangle" w="lg" len="sm"/>
+            <a:tailEnd type="triangle" w="lg" len="sm"/>
+          </a:ln>
+        </p:spPr>
+        <p:style>
+          <a:lnRef idx="1">
+            <a:schemeClr val="accent1"/>
+          </a:lnRef>
+          <a:fillRef idx="0">
+            <a:schemeClr val="accent1"/>
+          </a:fillRef>
+          <a:effectRef idx="0">
+            <a:schemeClr val="accent1"/>
+          </a:effectRef>
+          <a:fontRef idx="minor">
+            <a:schemeClr val="tx1"/>
+          </a:fontRef>
+        </p:style>
+      </p:cxnSp>
+      <p:cxnSp>
+        <p:nvCxnSpPr>
+          <p:cNvPr id="141" name="直線矢印コネクタ 140"/>
+          <p:cNvCxnSpPr>
+            <a:stCxn id="138" idx="2"/>
+            <a:endCxn id="139" idx="0"/>
+          </p:cNvCxnSpPr>
+          <p:nvPr/>
+        </p:nvCxnSpPr>
+        <p:spPr bwMode="invGray">
+          <a:xfrm flipH="1">
+            <a:off x="6075591" y="3275855"/>
+            <a:ext cx="688" cy="249932"/>
+          </a:xfrm>
+          <a:prstGeom prst="straightConnector1">
+            <a:avLst/>
+          </a:prstGeom>
+          <a:ln w="50800">
+            <a:solidFill>
+              <a:schemeClr val="tx2">
+                <a:lumMod val="40000"/>
+                <a:lumOff val="60000"/>
+              </a:schemeClr>
+            </a:solidFill>
+            <a:headEnd type="triangle" w="lg" len="sm"/>
+            <a:tailEnd type="triangle" w="lg" len="sm"/>
+          </a:ln>
+        </p:spPr>
+        <p:style>
+          <a:lnRef idx="1">
+            <a:schemeClr val="accent1"/>
+          </a:lnRef>
+          <a:fillRef idx="0">
+            <a:schemeClr val="accent1"/>
+          </a:fillRef>
+          <a:effectRef idx="0">
+            <a:schemeClr val="accent1"/>
+          </a:effectRef>
+          <a:fontRef idx="minor">
+            <a:schemeClr val="tx1"/>
+          </a:fontRef>
+        </p:style>
+      </p:cxnSp>
+      <p:sp>
+        <p:nvSpPr>
+          <p:cNvPr id="142" name="テキスト ボックス 141"/>
+          <p:cNvSpPr txBox="1"/>
+          <p:nvPr/>
+        </p:nvSpPr>
+        <p:spPr>
+          <a:xfrm>
+            <a:off x="6858399" y="2814142"/>
+            <a:ext cx="723275" cy="461665"/>
+          </a:xfrm>
+          <a:prstGeom prst="rect">
+            <a:avLst/>
+          </a:prstGeom>
+          <a:noFill/>
+        </p:spPr>
+        <p:txBody>
+          <a:bodyPr wrap="none" rtlCol="0">
+            <a:spAutoFit/>
+          </a:bodyPr>
+          <a:lstStyle/>
+          <a:p>
+            <a:r>
+              <a:rPr kumimoji="1" lang="ja-JP" altLang="en-US" sz="2400" dirty="0" smtClean="0">
+                <a:solidFill>
+                  <a:schemeClr val="tx1">
+                    <a:lumMod val="65000"/>
+                    <a:lumOff val="35000"/>
+                  </a:schemeClr>
+                </a:solidFill>
+                <a:latin typeface="HGP創英角ｺﾞｼｯｸUB" panose="020B0900000000000000" pitchFamily="50" charset="-128"/>
+                <a:ea typeface="HGP創英角ｺﾞｼｯｸUB" panose="020B0900000000000000" pitchFamily="50" charset="-128"/>
+              </a:rPr>
+              <a:t>（４）</a:t>
+            </a:r>
+            <a:endParaRPr kumimoji="1" lang="ja-JP" altLang="en-US" sz="2400" dirty="0">
               <a:solidFill>
-                <a:schemeClr val="tx1"/>
+                <a:schemeClr val="tx1">
+                  <a:lumMod val="65000"/>
+                  <a:lumOff val="35000"/>
+                </a:schemeClr>
               </a:solidFill>
-              <a:tailEnd type="arrow"/>
-            </a:ln>
-          </p:spPr>
-          <p:style>
-            <a:lnRef idx="2">
-              <a:schemeClr val="accent1"/>
-            </a:lnRef>
-            <a:fillRef idx="0">
-              <a:schemeClr val="accent1"/>
-            </a:fillRef>
-            <a:effectRef idx="1">
-              <a:schemeClr val="accent1"/>
-            </a:effectRef>
-            <a:fontRef idx="minor">
-              <a:schemeClr val="tx1"/>
-            </a:fontRef>
-          </p:style>
-        </p:cxnSp>
-        <p:sp>
-          <p:nvSpPr>
-            <p:cNvPr id="43" name="テキスト ボックス 42"/>
-            <p:cNvSpPr txBox="1"/>
-            <p:nvPr/>
-          </p:nvSpPr>
-          <p:spPr>
-            <a:xfrm>
-              <a:off x="5848627" y="2143192"/>
-              <a:ext cx="1175657" cy="261610"/>
-            </a:xfrm>
-            <a:prstGeom prst="rect">
-              <a:avLst/>
-            </a:prstGeom>
-            <a:noFill/>
-          </p:spPr>
-          <p:txBody>
-            <a:bodyPr wrap="square" rtlCol="0">
-              <a:spAutoFit/>
-            </a:bodyPr>
-            <a:lstStyle/>
-            <a:p>
-              <a:r>
-                <a:rPr kumimoji="1" lang="en-US" altLang="ja-JP" sz="1100" dirty="0" smtClean="0"/>
-                <a:t>Authentication</a:t>
-              </a:r>
-              <a:endParaRPr kumimoji="1" lang="ja-JP" altLang="en-US" sz="1100" dirty="0"/>
-            </a:p>
-          </p:txBody>
-        </p:sp>
-        <p:cxnSp>
-          <p:nvCxnSpPr>
-            <p:cNvPr id="45" name="カギ線コネクタ 44"/>
-            <p:cNvCxnSpPr>
-              <a:stCxn id="13" idx="0"/>
-              <a:endCxn id="16" idx="0"/>
-            </p:cNvCxnSpPr>
-            <p:nvPr/>
-          </p:nvCxnSpPr>
-          <p:spPr>
-            <a:xfrm rot="16200000" flipH="1">
-              <a:off x="4768851" y="-54151"/>
-              <a:ext cx="1346198" cy="3871131"/>
-            </a:xfrm>
-            <a:prstGeom prst="bentConnector3">
-              <a:avLst>
-                <a:gd name="adj1" fmla="val -16981"/>
-              </a:avLst>
-            </a:prstGeom>
-            <a:ln w="9525">
-              <a:solidFill>
-                <a:schemeClr val="tx1"/>
-              </a:solidFill>
-              <a:tailEnd type="arrow"/>
-            </a:ln>
-          </p:spPr>
-          <p:style>
-            <a:lnRef idx="2">
-              <a:schemeClr val="accent1"/>
-            </a:lnRef>
-            <a:fillRef idx="0">
-              <a:schemeClr val="accent1"/>
-            </a:fillRef>
-            <a:effectRef idx="1">
-              <a:schemeClr val="accent1"/>
-            </a:effectRef>
-            <a:fontRef idx="minor">
-              <a:schemeClr val="tx1"/>
-            </a:fontRef>
-          </p:style>
-        </p:cxnSp>
-        <p:sp>
-          <p:nvSpPr>
-            <p:cNvPr id="46" name="テキスト ボックス 45"/>
-            <p:cNvSpPr txBox="1"/>
-            <p:nvPr/>
-          </p:nvSpPr>
-          <p:spPr>
-            <a:xfrm>
-              <a:off x="6031315" y="724917"/>
-              <a:ext cx="2424516" cy="261610"/>
-            </a:xfrm>
-            <a:prstGeom prst="rect">
-              <a:avLst/>
-            </a:prstGeom>
-            <a:noFill/>
-          </p:spPr>
-          <p:txBody>
-            <a:bodyPr wrap="square" rtlCol="0">
-              <a:spAutoFit/>
-            </a:bodyPr>
-            <a:lstStyle/>
-            <a:p>
-              <a:r>
-                <a:rPr lang="en-US" altLang="ja-JP" sz="1100" dirty="0" smtClean="0"/>
-                <a:t>Authentication Info</a:t>
-              </a:r>
-              <a:endParaRPr lang="ja-JP" altLang="en-US" sz="1100" dirty="0" smtClean="0"/>
-            </a:p>
-          </p:txBody>
-        </p:sp>
-        <p:cxnSp>
-          <p:nvCxnSpPr>
-            <p:cNvPr id="48" name="図形 47"/>
-            <p:cNvCxnSpPr>
-              <a:stCxn id="21" idx="3"/>
-              <a:endCxn id="16" idx="2"/>
-            </p:cNvCxnSpPr>
-            <p:nvPr/>
-          </p:nvCxnSpPr>
-          <p:spPr>
-            <a:xfrm flipV="1">
-              <a:off x="6527800" y="3365500"/>
-              <a:ext cx="849716" cy="1917826"/>
-            </a:xfrm>
-            <a:prstGeom prst="bentConnector2">
-              <a:avLst/>
-            </a:prstGeom>
-            <a:ln w="9525">
-              <a:solidFill>
-                <a:schemeClr val="tx1"/>
-              </a:solidFill>
-              <a:tailEnd type="arrow"/>
-            </a:ln>
-          </p:spPr>
-          <p:style>
-            <a:lnRef idx="2">
-              <a:schemeClr val="accent1"/>
-            </a:lnRef>
-            <a:fillRef idx="0">
-              <a:schemeClr val="accent1"/>
-            </a:fillRef>
-            <a:effectRef idx="1">
-              <a:schemeClr val="accent1"/>
-            </a:effectRef>
-            <a:fontRef idx="minor">
-              <a:schemeClr val="tx1"/>
-            </a:fontRef>
-          </p:style>
-        </p:cxnSp>
-        <p:cxnSp>
-          <p:nvCxnSpPr>
-            <p:cNvPr id="50" name="直線矢印コネクタ 49"/>
-            <p:cNvCxnSpPr>
-              <a:stCxn id="20" idx="3"/>
-              <a:endCxn id="21" idx="1"/>
-            </p:cNvCxnSpPr>
-            <p:nvPr/>
-          </p:nvCxnSpPr>
-          <p:spPr>
-            <a:xfrm>
-              <a:off x="3843841" y="5283326"/>
-              <a:ext cx="1411590" cy="0"/>
-            </a:xfrm>
-            <a:prstGeom prst="straightConnector1">
-              <a:avLst/>
-            </a:prstGeom>
-            <a:ln w="9525">
-              <a:solidFill>
-                <a:schemeClr val="tx1"/>
-              </a:solidFill>
-              <a:tailEnd type="arrow"/>
-            </a:ln>
-          </p:spPr>
-          <p:style>
-            <a:lnRef idx="2">
-              <a:schemeClr val="accent1"/>
-            </a:lnRef>
-            <a:fillRef idx="0">
-              <a:schemeClr val="accent1"/>
-            </a:fillRef>
-            <a:effectRef idx="1">
-              <a:schemeClr val="accent1"/>
-            </a:effectRef>
-            <a:fontRef idx="minor">
-              <a:schemeClr val="tx1"/>
-            </a:fontRef>
-          </p:style>
-        </p:cxnSp>
-        <p:cxnSp>
-          <p:nvCxnSpPr>
-            <p:cNvPr id="54" name="直線矢印コネクタ 53"/>
-            <p:cNvCxnSpPr>
-              <a:stCxn id="20" idx="2"/>
-              <a:endCxn id="12" idx="0"/>
-            </p:cNvCxnSpPr>
-            <p:nvPr/>
-          </p:nvCxnSpPr>
-          <p:spPr>
-            <a:xfrm>
-              <a:off x="3207657" y="5688819"/>
-              <a:ext cx="278" cy="560488"/>
-            </a:xfrm>
-            <a:prstGeom prst="straightConnector1">
-              <a:avLst/>
-            </a:prstGeom>
-            <a:ln w="9525">
-              <a:solidFill>
-                <a:schemeClr val="tx1"/>
-              </a:solidFill>
-              <a:tailEnd type="arrow"/>
-            </a:ln>
-          </p:spPr>
-          <p:style>
-            <a:lnRef idx="2">
-              <a:schemeClr val="accent1"/>
-            </a:lnRef>
-            <a:fillRef idx="0">
-              <a:schemeClr val="accent1"/>
-            </a:fillRef>
-            <a:effectRef idx="1">
-              <a:schemeClr val="accent1"/>
-            </a:effectRef>
-            <a:fontRef idx="minor">
-              <a:schemeClr val="tx1"/>
-            </a:fontRef>
-          </p:style>
-        </p:cxnSp>
-        <p:sp>
-          <p:nvSpPr>
-            <p:cNvPr id="55" name="テキスト ボックス 54"/>
-            <p:cNvSpPr txBox="1"/>
-            <p:nvPr/>
-          </p:nvSpPr>
-          <p:spPr>
-            <a:xfrm>
-              <a:off x="7345173" y="4292600"/>
-              <a:ext cx="1469058" cy="261610"/>
-            </a:xfrm>
-            <a:prstGeom prst="rect">
-              <a:avLst/>
-            </a:prstGeom>
-            <a:noFill/>
-          </p:spPr>
-          <p:txBody>
-            <a:bodyPr wrap="square" rtlCol="0">
-              <a:spAutoFit/>
-            </a:bodyPr>
-            <a:lstStyle/>
-            <a:p>
-              <a:r>
-                <a:rPr lang="en-US" altLang="ja-JP" sz="1100" dirty="0" smtClean="0"/>
-                <a:t>Authentication Query</a:t>
-              </a:r>
-              <a:endParaRPr lang="ja-JP" altLang="en-US" sz="1100" dirty="0" smtClean="0"/>
-            </a:p>
-          </p:txBody>
-        </p:sp>
-        <p:sp>
-          <p:nvSpPr>
-            <p:cNvPr id="56" name="テキスト ボックス 55"/>
-            <p:cNvSpPr txBox="1"/>
-            <p:nvPr/>
-          </p:nvSpPr>
-          <p:spPr>
-            <a:xfrm>
-              <a:off x="3805741" y="5037105"/>
-              <a:ext cx="1469058" cy="261610"/>
-            </a:xfrm>
-            <a:prstGeom prst="rect">
-              <a:avLst/>
-            </a:prstGeom>
-            <a:noFill/>
-          </p:spPr>
-          <p:txBody>
-            <a:bodyPr wrap="square" rtlCol="0">
-              <a:spAutoFit/>
-            </a:bodyPr>
-            <a:lstStyle/>
-            <a:p>
-              <a:r>
-                <a:rPr lang="en-US" altLang="ja-JP" sz="1100" dirty="0" smtClean="0"/>
-                <a:t>Authorization Decision</a:t>
-              </a:r>
-            </a:p>
-          </p:txBody>
-        </p:sp>
-      </p:grpSp>
+              <a:latin typeface="HGP創英角ｺﾞｼｯｸUB" panose="020B0900000000000000" pitchFamily="50" charset="-128"/>
+              <a:ea typeface="HGP創英角ｺﾞｼｯｸUB" panose="020B0900000000000000" pitchFamily="50" charset="-128"/>
+            </a:endParaRPr>
+          </a:p>
+        </p:txBody>
+      </p:sp>
+      <p:cxnSp>
+        <p:nvCxnSpPr>
+          <p:cNvPr id="143" name="直線矢印コネクタ 87"/>
+          <p:cNvCxnSpPr/>
+          <p:nvPr/>
+        </p:nvCxnSpPr>
+        <p:spPr bwMode="invGray">
+          <a:xfrm rot="5400000">
+            <a:off x="5021959" y="3932650"/>
+            <a:ext cx="1015768" cy="1091496"/>
+          </a:xfrm>
+          <a:prstGeom prst="bentConnector3">
+            <a:avLst>
+              <a:gd name="adj1" fmla="val 50000"/>
+            </a:avLst>
+          </a:prstGeom>
+          <a:ln w="50800">
+            <a:solidFill>
+              <a:schemeClr val="tx2">
+                <a:lumMod val="40000"/>
+                <a:lumOff val="60000"/>
+              </a:schemeClr>
+            </a:solidFill>
+            <a:headEnd type="triangle" w="lg" len="lg"/>
+            <a:tailEnd type="triangle" w="lg" len="lg"/>
+          </a:ln>
+        </p:spPr>
+        <p:style>
+          <a:lnRef idx="1">
+            <a:schemeClr val="accent1"/>
+          </a:lnRef>
+          <a:fillRef idx="0">
+            <a:schemeClr val="accent1"/>
+          </a:fillRef>
+          <a:effectRef idx="0">
+            <a:schemeClr val="accent1"/>
+          </a:effectRef>
+          <a:fontRef idx="minor">
+            <a:schemeClr val="tx1"/>
+          </a:fontRef>
+        </p:style>
+      </p:cxnSp>
+      <p:cxnSp>
+        <p:nvCxnSpPr>
+          <p:cNvPr id="144" name="直線矢印コネクタ 73"/>
+          <p:cNvCxnSpPr/>
+          <p:nvPr/>
+        </p:nvCxnSpPr>
+        <p:spPr bwMode="invGray">
+          <a:xfrm flipV="1">
+            <a:off x="4092776" y="2360949"/>
+            <a:ext cx="1083863" cy="1185600"/>
+          </a:xfrm>
+          <a:prstGeom prst="bentConnector3">
+            <a:avLst>
+              <a:gd name="adj1" fmla="val 50000"/>
+            </a:avLst>
+          </a:prstGeom>
+          <a:ln w="50800">
+            <a:solidFill>
+              <a:schemeClr val="tx2">
+                <a:lumMod val="40000"/>
+                <a:lumOff val="60000"/>
+              </a:schemeClr>
+            </a:solidFill>
+            <a:headEnd type="triangle" w="lg" len="lg"/>
+            <a:tailEnd type="triangle" w="lg" len="lg"/>
+          </a:ln>
+        </p:spPr>
+        <p:style>
+          <a:lnRef idx="1">
+            <a:schemeClr val="accent1"/>
+          </a:lnRef>
+          <a:fillRef idx="0">
+            <a:schemeClr val="accent1"/>
+          </a:fillRef>
+          <a:effectRef idx="0">
+            <a:schemeClr val="accent1"/>
+          </a:effectRef>
+          <a:fontRef idx="minor">
+            <a:schemeClr val="tx1"/>
+          </a:fontRef>
+        </p:style>
+      </p:cxnSp>
     </p:spTree>
+    <p:extLst>
+      <p:ext uri="{BB962C8B-B14F-4D97-AF65-F5344CB8AC3E}">
+        <p14:creationId xmlns:p14="http://schemas.microsoft.com/office/powerpoint/2010/main" val="544778987"/>
+      </p:ext>
+    </p:extLst>
   </p:cSld>
   <p:clrMapOvr>
     <a:masterClrMapping/>
   </p:clrMapOvr>
+  <p:timing>
+    <p:tnLst>
+      <p:par>
+        <p:cTn id="1" dur="indefinite" restart="never" nodeType="tmRoot"/>
+      </p:par>
+    </p:tnLst>
+  </p:timing>
 </p:sld>
 </file>
 
